--- a/docs/diagrams/LogicComponentClassDiagram.pptx
+++ b/docs/diagrams/LogicComponentClassDiagram.pptx
@@ -208,7 +208,7 @@
           <a:p>
             <a:fld id="{F5CC4B3F-88C1-4FFA-B1B6-F41C21DC6924}" type="datetimeFigureOut">
               <a:rPr lang="en-US" smtClean="0"/>
-              <a:t>6/2/17</a:t>
+              <a:t>7/11/2017</a:t>
             </a:fld>
             <a:endParaRPr lang="en-US"/>
           </a:p>
@@ -654,7 +654,7 @@
           <a:p>
             <a:fld id="{78C97017-6FC3-485B-9764-EAC9E56C1D49}" type="datetimeFigureOut">
               <a:rPr lang="en-US" smtClean="0"/>
-              <a:t>6/2/17</a:t>
+              <a:t>7/11/2017</a:t>
             </a:fld>
             <a:endParaRPr lang="en-US"/>
           </a:p>
@@ -822,7 +822,7 @@
           <a:p>
             <a:fld id="{78C97017-6FC3-485B-9764-EAC9E56C1D49}" type="datetimeFigureOut">
               <a:rPr lang="en-US" smtClean="0"/>
-              <a:t>6/2/17</a:t>
+              <a:t>7/11/2017</a:t>
             </a:fld>
             <a:endParaRPr lang="en-US"/>
           </a:p>
@@ -1000,7 +1000,7 @@
           <a:p>
             <a:fld id="{78C97017-6FC3-485B-9764-EAC9E56C1D49}" type="datetimeFigureOut">
               <a:rPr lang="en-US" smtClean="0"/>
-              <a:t>6/2/17</a:t>
+              <a:t>7/11/2017</a:t>
             </a:fld>
             <a:endParaRPr lang="en-US"/>
           </a:p>
@@ -1168,7 +1168,7 @@
           <a:p>
             <a:fld id="{78C97017-6FC3-485B-9764-EAC9E56C1D49}" type="datetimeFigureOut">
               <a:rPr lang="en-US" smtClean="0"/>
-              <a:t>6/2/17</a:t>
+              <a:t>7/11/2017</a:t>
             </a:fld>
             <a:endParaRPr lang="en-US"/>
           </a:p>
@@ -1413,7 +1413,7 @@
           <a:p>
             <a:fld id="{78C97017-6FC3-485B-9764-EAC9E56C1D49}" type="datetimeFigureOut">
               <a:rPr lang="en-US" smtClean="0"/>
-              <a:t>6/2/17</a:t>
+              <a:t>7/11/2017</a:t>
             </a:fld>
             <a:endParaRPr lang="en-US"/>
           </a:p>
@@ -1698,7 +1698,7 @@
           <a:p>
             <a:fld id="{78C97017-6FC3-485B-9764-EAC9E56C1D49}" type="datetimeFigureOut">
               <a:rPr lang="en-US" smtClean="0"/>
-              <a:t>6/2/17</a:t>
+              <a:t>7/11/2017</a:t>
             </a:fld>
             <a:endParaRPr lang="en-US"/>
           </a:p>
@@ -2117,7 +2117,7 @@
           <a:p>
             <a:fld id="{78C97017-6FC3-485B-9764-EAC9E56C1D49}" type="datetimeFigureOut">
               <a:rPr lang="en-US" smtClean="0"/>
-              <a:t>6/2/17</a:t>
+              <a:t>7/11/2017</a:t>
             </a:fld>
             <a:endParaRPr lang="en-US"/>
           </a:p>
@@ -2234,7 +2234,7 @@
           <a:p>
             <a:fld id="{78C97017-6FC3-485B-9764-EAC9E56C1D49}" type="datetimeFigureOut">
               <a:rPr lang="en-US" smtClean="0"/>
-              <a:t>6/2/17</a:t>
+              <a:t>7/11/2017</a:t>
             </a:fld>
             <a:endParaRPr lang="en-US"/>
           </a:p>
@@ -2329,7 +2329,7 @@
           <a:p>
             <a:fld id="{78C97017-6FC3-485B-9764-EAC9E56C1D49}" type="datetimeFigureOut">
               <a:rPr lang="en-US" smtClean="0"/>
-              <a:t>6/2/17</a:t>
+              <a:t>7/11/2017</a:t>
             </a:fld>
             <a:endParaRPr lang="en-US"/>
           </a:p>
@@ -2604,7 +2604,7 @@
           <a:p>
             <a:fld id="{78C97017-6FC3-485B-9764-EAC9E56C1D49}" type="datetimeFigureOut">
               <a:rPr lang="en-US" smtClean="0"/>
-              <a:t>6/2/17</a:t>
+              <a:t>7/11/2017</a:t>
             </a:fld>
             <a:endParaRPr lang="en-US"/>
           </a:p>
@@ -2856,7 +2856,7 @@
           <a:p>
             <a:fld id="{78C97017-6FC3-485B-9764-EAC9E56C1D49}" type="datetimeFigureOut">
               <a:rPr lang="en-US" smtClean="0"/>
-              <a:t>6/2/17</a:t>
+              <a:t>7/11/2017</a:t>
             </a:fld>
             <a:endParaRPr lang="en-US"/>
           </a:p>
@@ -3067,7 +3067,7 @@
           <a:p>
             <a:fld id="{78C97017-6FC3-485B-9764-EAC9E56C1D49}" type="datetimeFigureOut">
               <a:rPr lang="en-US" smtClean="0"/>
-              <a:t>6/2/17</a:t>
+              <a:t>7/11/2017</a:t>
             </a:fld>
             <a:endParaRPr lang="en-US"/>
           </a:p>
@@ -3450,7 +3450,7 @@
         </p:nvSpPr>
         <p:spPr>
           <a:xfrm>
-            <a:off x="1066800" y="914400"/>
+            <a:off x="1110780" y="906536"/>
             <a:ext cx="7467600" cy="3733800"/>
           </a:xfrm>
           <a:prstGeom prst="roundRect">
@@ -3570,8 +3570,8 @@
         </p:nvSpPr>
         <p:spPr>
           <a:xfrm flipH="1">
-            <a:off x="6520227" y="2149167"/>
-            <a:ext cx="1093635" cy="346760"/>
+            <a:off x="6935076" y="2209800"/>
+            <a:ext cx="683251" cy="240345"/>
           </a:xfrm>
           <a:prstGeom prst="rect">
             <a:avLst/>
@@ -3603,14 +3603,25 @@
           <a:p>
             <a:pPr algn="ctr"/>
             <a:r>
-              <a:rPr lang="en-US" sz="1050" b="1" dirty="0" err="1">
+              <a:rPr lang="en-US" sz="800" b="1" dirty="0" smtClean="0">
                 <a:solidFill>
                   <a:srgbClr val="0070C0"/>
                 </a:solidFill>
               </a:rPr>
-              <a:t>AddCommand</a:t>
-            </a:r>
-            <a:endParaRPr lang="en-SG" sz="1050" b="1" dirty="0">
+              <a:t>Delete</a:t>
+            </a:r>
+          </a:p>
+          <a:p>
+            <a:pPr algn="ctr"/>
+            <a:r>
+              <a:rPr lang="en-US" sz="800" b="1" dirty="0" smtClean="0">
+                <a:solidFill>
+                  <a:srgbClr val="0070C0"/>
+                </a:solidFill>
+              </a:rPr>
+              <a:t>Command</a:t>
+            </a:r>
+            <a:endParaRPr lang="en-SG" sz="800" b="1" dirty="0">
               <a:solidFill>
                 <a:srgbClr val="0070C0"/>
               </a:solidFill>
@@ -3865,12 +3876,20 @@
           <a:p>
             <a:pPr algn="ctr"/>
             <a:r>
-              <a:rPr lang="en-US" sz="1050" b="1" dirty="0" err="1">
+              <a:rPr lang="en-US" sz="1050" b="1" dirty="0" err="1" smtClean="0">
                 <a:solidFill>
                   <a:srgbClr val="0070C0"/>
                 </a:solidFill>
               </a:rPr>
-              <a:t>FindCommand</a:t>
+              <a:t>Add</a:t>
+            </a:r>
+            <a:r>
+              <a:rPr lang="en-US" sz="1050" b="1" dirty="0" err="1" smtClean="0">
+                <a:solidFill>
+                  <a:srgbClr val="0070C0"/>
+                </a:solidFill>
+              </a:rPr>
+              <a:t>Command</a:t>
             </a:r>
             <a:endParaRPr lang="en-SG" sz="1050" b="1" dirty="0">
               <a:solidFill>
@@ -4829,12 +4848,20 @@
           <a:p>
             <a:pPr algn="ctr"/>
             <a:r>
-              <a:rPr lang="en-US" sz="1050" b="1" dirty="0" err="1">
+              <a:rPr lang="en-US" sz="1000" b="1" dirty="0" err="1" smtClean="0">
                 <a:solidFill>
                   <a:schemeClr val="bg1"/>
                 </a:solidFill>
               </a:rPr>
-              <a:t>AddCommand</a:t>
+              <a:t>Delete</a:t>
+            </a:r>
+            <a:r>
+              <a:rPr lang="en-US" sz="1000" b="1" dirty="0" err="1" smtClean="0">
+                <a:solidFill>
+                  <a:schemeClr val="bg1"/>
+                </a:solidFill>
+              </a:rPr>
+              <a:t>Command</a:t>
             </a:r>
             <a:endParaRPr lang="en-US" sz="1050" b="1" dirty="0">
               <a:solidFill>
@@ -4900,12 +4927,12 @@
           <a:p>
             <a:pPr algn="ctr"/>
             <a:r>
-              <a:rPr lang="en-US" sz="1050" b="1" dirty="0" err="1">
+              <a:rPr lang="en-US" sz="1050" b="1" dirty="0" err="1" smtClean="0">
                 <a:solidFill>
                   <a:schemeClr val="bg1"/>
                 </a:solidFill>
               </a:rPr>
-              <a:t>FindCommand</a:t>
+              <a:t>AddCommand</a:t>
             </a:r>
             <a:endParaRPr lang="en-US" sz="1050" b="1" dirty="0">
               <a:solidFill>
@@ -4994,7 +5021,7 @@
         </p:nvSpPr>
         <p:spPr>
           <a:xfrm>
-            <a:off x="3174214" y="1862795"/>
+            <a:off x="3166855" y="1642077"/>
             <a:ext cx="751107" cy="346760"/>
           </a:xfrm>
           <a:prstGeom prst="rect">
@@ -5139,9 +5166,9 @@
         </p:nvGrpSpPr>
         <p:grpSpPr>
           <a:xfrm rot="5400000">
-            <a:off x="6088711" y="1962201"/>
+            <a:off x="6011469" y="1348440"/>
             <a:ext cx="254462" cy="555486"/>
-            <a:chOff x="3949242" y="578739"/>
+            <a:chOff x="3706082" y="732721"/>
             <a:chExt cx="254462" cy="503902"/>
           </a:xfrm>
         </p:grpSpPr>
@@ -5153,7 +5180,7 @@
           </p:nvSpPr>
           <p:spPr>
             <a:xfrm rot="16200000">
-              <a:off x="3824522" y="703459"/>
+              <a:off x="3581362" y="857441"/>
               <a:ext cx="503902" cy="254462"/>
             </a:xfrm>
             <a:prstGeom prst="rect">
@@ -5195,7 +5222,7 @@
           </p:nvSpPr>
           <p:spPr>
             <a:xfrm rot="10800000" flipV="1">
-              <a:off x="3979474" y="617927"/>
+              <a:off x="3728327" y="758351"/>
               <a:ext cx="132157" cy="79956"/>
             </a:xfrm>
             <a:prstGeom prst="triangle">
@@ -5349,7 +5376,7 @@
         </p:nvSpPr>
         <p:spPr>
           <a:xfrm>
-            <a:off x="3186326" y="2841725"/>
+            <a:off x="3182006" y="2861121"/>
             <a:ext cx="731636" cy="283820"/>
           </a:xfrm>
           <a:prstGeom prst="rect">
@@ -5414,7 +5441,7 @@
         </p:nvSpPr>
         <p:spPr>
           <a:xfrm>
-            <a:off x="3186326" y="3190882"/>
+            <a:off x="3172941" y="3217280"/>
             <a:ext cx="731636" cy="283820"/>
           </a:xfrm>
           <a:prstGeom prst="rect">
@@ -5482,7 +5509,7 @@
         </p:nvCxnSpPr>
         <p:spPr>
           <a:xfrm flipH="1">
-            <a:off x="3917962" y="2983635"/>
+            <a:off x="3913642" y="3003031"/>
             <a:ext cx="335164" cy="0"/>
           </a:xfrm>
           <a:prstGeom prst="straightConnector1">
@@ -5526,7 +5553,7 @@
         </p:nvCxnSpPr>
         <p:spPr>
           <a:xfrm flipH="1">
-            <a:off x="3917962" y="3332439"/>
+            <a:off x="3904577" y="3358837"/>
             <a:ext cx="335164" cy="353"/>
           </a:xfrm>
           <a:prstGeom prst="straightConnector1">
@@ -5572,7 +5599,7 @@
         <p:spPr>
           <a:xfrm rot="10800000">
             <a:off x="2601618" y="2629061"/>
-            <a:ext cx="584708" cy="354574"/>
+            <a:ext cx="580388" cy="373970"/>
           </a:xfrm>
           <a:prstGeom prst="bentConnector2">
             <a:avLst/>
@@ -5615,9 +5642,9 @@
           <p:nvPr/>
         </p:nvCxnSpPr>
         <p:spPr>
-          <a:xfrm>
-            <a:off x="3925321" y="2036175"/>
-            <a:ext cx="327805" cy="107"/>
+          <a:xfrm flipV="1">
+            <a:off x="3917962" y="1809985"/>
+            <a:ext cx="358856" cy="5472"/>
           </a:xfrm>
           <a:prstGeom prst="line">
             <a:avLst/>
@@ -5661,8 +5688,8 @@
         </p:nvCxnSpPr>
         <p:spPr>
           <a:xfrm rot="10800000" flipV="1">
-            <a:off x="2601618" y="2036175"/>
-            <a:ext cx="572596" cy="418306"/>
+            <a:off x="2601619" y="1815457"/>
+            <a:ext cx="565237" cy="639024"/>
           </a:xfrm>
           <a:prstGeom prst="bentConnector2">
             <a:avLst/>
@@ -5976,8 +6003,8 @@
         </p:nvCxnSpPr>
         <p:spPr>
           <a:xfrm rot="16200000" flipV="1">
-            <a:off x="6890098" y="3046311"/>
-            <a:ext cx="1657928" cy="210400"/>
+            <a:off x="6896044" y="3052256"/>
+            <a:ext cx="1650502" cy="205935"/>
           </a:xfrm>
           <a:prstGeom prst="bentConnector2">
             <a:avLst/>
@@ -6193,14 +6220,14 @@
           <p:cNvCxnSpPr>
             <a:cxnSpLocks/>
             <a:stCxn id="42" idx="1"/>
-            <a:endCxn id="4" idx="3"/>
+            <a:endCxn id="97" idx="3"/>
           </p:cNvCxnSpPr>
           <p:nvPr/>
         </p:nvCxnSpPr>
         <p:spPr>
-          <a:xfrm>
-            <a:off x="5924929" y="2322317"/>
-            <a:ext cx="595298" cy="230"/>
+          <a:xfrm flipV="1">
+            <a:off x="5924929" y="1722038"/>
+            <a:ext cx="528373" cy="600279"/>
           </a:xfrm>
           <a:prstGeom prst="bentConnector3">
             <a:avLst>
@@ -6243,9 +6270,9 @@
           <p:nvPr/>
         </p:nvCxnSpPr>
         <p:spPr>
-          <a:xfrm>
-            <a:off x="4248488" y="2033984"/>
-            <a:ext cx="0" cy="1304815"/>
+          <a:xfrm flipH="1">
+            <a:off x="4248488" y="1815457"/>
+            <a:ext cx="6554" cy="1523342"/>
           </a:xfrm>
           <a:prstGeom prst="line">
             <a:avLst/>
@@ -6414,7 +6441,7 @@
         </p:nvSpPr>
         <p:spPr>
           <a:xfrm>
-            <a:off x="3174214" y="2370131"/>
+            <a:off x="3166713" y="2077527"/>
             <a:ext cx="750156" cy="340758"/>
           </a:xfrm>
           <a:prstGeom prst="rect">
@@ -6493,8 +6520,8 @@
         </p:nvCxnSpPr>
         <p:spPr>
           <a:xfrm rot="10800000" flipV="1">
-            <a:off x="2964740" y="2540509"/>
-            <a:ext cx="209475" cy="1261"/>
+            <a:off x="2964739" y="2247905"/>
+            <a:ext cx="201974" cy="293865"/>
           </a:xfrm>
           <a:prstGeom prst="bentConnector3">
             <a:avLst>
@@ -6541,8 +6568,8 @@
         </p:nvCxnSpPr>
         <p:spPr>
           <a:xfrm rot="5400000">
-            <a:off x="3469242" y="2289605"/>
-            <a:ext cx="160576" cy="476"/>
+            <a:off x="3497755" y="2032873"/>
+            <a:ext cx="88690" cy="618"/>
           </a:xfrm>
           <a:prstGeom prst="bentConnector3">
             <a:avLst>
@@ -6588,7 +6615,7 @@
         </p:nvCxnSpPr>
         <p:spPr>
           <a:xfrm flipV="1">
-            <a:off x="3924370" y="2535795"/>
+            <a:off x="3916869" y="2243191"/>
             <a:ext cx="322202" cy="4715"/>
           </a:xfrm>
           <a:prstGeom prst="line">
@@ -6768,6 +6795,431 @@
           </a:p>
         </p:txBody>
       </p:sp>
+      <p:sp>
+        <p:nvSpPr>
+          <p:cNvPr id="85" name="Rectangle 62"/>
+          <p:cNvSpPr/>
+          <p:nvPr/>
+        </p:nvSpPr>
+        <p:spPr>
+          <a:xfrm>
+            <a:off x="3185263" y="2503047"/>
+            <a:ext cx="731636" cy="283820"/>
+          </a:xfrm>
+          <a:prstGeom prst="rect">
+            <a:avLst/>
+          </a:prstGeom>
+          <a:solidFill>
+            <a:schemeClr val="accent5">
+              <a:lumMod val="60000"/>
+              <a:lumOff val="40000"/>
+            </a:schemeClr>
+          </a:solidFill>
+          <a:ln w="19050">
+            <a:solidFill>
+              <a:schemeClr val="accent5">
+                <a:lumMod val="60000"/>
+                <a:lumOff val="40000"/>
+              </a:schemeClr>
+            </a:solidFill>
+          </a:ln>
+          <a:effectLst/>
+        </p:spPr>
+        <p:style>
+          <a:lnRef idx="1">
+            <a:schemeClr val="accent2"/>
+          </a:lnRef>
+          <a:fillRef idx="2">
+            <a:schemeClr val="accent2"/>
+          </a:fillRef>
+          <a:effectRef idx="1">
+            <a:schemeClr val="accent2"/>
+          </a:effectRef>
+          <a:fontRef idx="minor">
+            <a:schemeClr val="dk1"/>
+          </a:fontRef>
+        </p:style>
+        <p:txBody>
+          <a:bodyPr rtlCol="0" anchor="ctr"/>
+          <a:lstStyle/>
+          <a:p>
+            <a:pPr algn="ctr"/>
+            <a:r>
+              <a:rPr lang="en-SG" sz="1050" dirty="0" err="1" smtClean="0">
+                <a:solidFill>
+                  <a:schemeClr val="bg1"/>
+                </a:solidFill>
+              </a:rPr>
+              <a:t>DateUtil</a:t>
+            </a:r>
+            <a:endParaRPr lang="en-SG" sz="1050" dirty="0">
+              <a:solidFill>
+                <a:schemeClr val="bg1"/>
+              </a:solidFill>
+            </a:endParaRPr>
+          </a:p>
+        </p:txBody>
+      </p:sp>
+      <p:cxnSp>
+        <p:nvCxnSpPr>
+          <p:cNvPr id="89" name="Straight Connector 88"/>
+          <p:cNvCxnSpPr>
+            <a:cxnSpLocks/>
+          </p:cNvCxnSpPr>
+          <p:nvPr/>
+        </p:nvCxnSpPr>
+        <p:spPr>
+          <a:xfrm flipV="1">
+            <a:off x="3920156" y="2611486"/>
+            <a:ext cx="322202" cy="4715"/>
+          </a:xfrm>
+          <a:prstGeom prst="line">
+            <a:avLst/>
+          </a:prstGeom>
+          <a:ln w="19050">
+            <a:solidFill>
+              <a:schemeClr val="accent5">
+                <a:lumMod val="50000"/>
+              </a:schemeClr>
+            </a:solidFill>
+            <a:prstDash val="sysDot"/>
+            <a:headEnd type="arrow" w="med" len="med"/>
+            <a:tailEnd type="none" w="med" len="med"/>
+          </a:ln>
+          <a:effectLst/>
+        </p:spPr>
+        <p:style>
+          <a:lnRef idx="1">
+            <a:schemeClr val="accent2"/>
+          </a:lnRef>
+          <a:fillRef idx="2">
+            <a:schemeClr val="accent2"/>
+          </a:fillRef>
+          <a:effectRef idx="1">
+            <a:schemeClr val="accent2"/>
+          </a:effectRef>
+          <a:fontRef idx="minor">
+            <a:schemeClr val="dk1"/>
+          </a:fontRef>
+        </p:style>
+      </p:cxnSp>
+      <p:sp>
+        <p:nvSpPr>
+          <p:cNvPr id="95" name="Rectangle 11"/>
+          <p:cNvSpPr/>
+          <p:nvPr/>
+        </p:nvSpPr>
+        <p:spPr>
+          <a:xfrm flipH="1">
+            <a:off x="6453302" y="1897181"/>
+            <a:ext cx="785697" cy="240345"/>
+          </a:xfrm>
+          <a:prstGeom prst="rect">
+            <a:avLst/>
+          </a:prstGeom>
+          <a:ln w="19050">
+            <a:solidFill>
+              <a:srgbClr val="0070C0"/>
+            </a:solidFill>
+          </a:ln>
+          <a:effectLst/>
+        </p:spPr>
+        <p:style>
+          <a:lnRef idx="1">
+            <a:schemeClr val="accent1"/>
+          </a:lnRef>
+          <a:fillRef idx="2">
+            <a:schemeClr val="accent1"/>
+          </a:fillRef>
+          <a:effectRef idx="1">
+            <a:schemeClr val="accent1"/>
+          </a:effectRef>
+          <a:fontRef idx="minor">
+            <a:schemeClr val="dk1"/>
+          </a:fontRef>
+        </p:style>
+        <p:txBody>
+          <a:bodyPr rtlCol="0" anchor="ctr"/>
+          <a:lstStyle/>
+          <a:p>
+            <a:pPr algn="ctr"/>
+            <a:r>
+              <a:rPr lang="en-US" sz="700" b="1" dirty="0" err="1" smtClean="0">
+                <a:solidFill>
+                  <a:srgbClr val="0070C0"/>
+                </a:solidFill>
+              </a:rPr>
+              <a:t>DeleteByIndex</a:t>
+            </a:r>
+            <a:endParaRPr lang="en-US" sz="700" b="1" dirty="0" smtClean="0">
+              <a:solidFill>
+                <a:srgbClr val="0070C0"/>
+              </a:solidFill>
+            </a:endParaRPr>
+          </a:p>
+          <a:p>
+            <a:pPr algn="ctr"/>
+            <a:r>
+              <a:rPr lang="en-US" sz="800" b="1" dirty="0" smtClean="0">
+                <a:solidFill>
+                  <a:srgbClr val="0070C0"/>
+                </a:solidFill>
+              </a:rPr>
+              <a:t>Command</a:t>
+            </a:r>
+            <a:endParaRPr lang="en-SG" sz="800" b="1" dirty="0">
+              <a:solidFill>
+                <a:srgbClr val="0070C0"/>
+              </a:solidFill>
+            </a:endParaRPr>
+          </a:p>
+        </p:txBody>
+      </p:sp>
+      <p:sp>
+        <p:nvSpPr>
+          <p:cNvPr id="97" name="Rectangle 11"/>
+          <p:cNvSpPr/>
+          <p:nvPr/>
+        </p:nvSpPr>
+        <p:spPr>
+          <a:xfrm flipH="1">
+            <a:off x="6453302" y="1601865"/>
+            <a:ext cx="785696" cy="240345"/>
+          </a:xfrm>
+          <a:prstGeom prst="rect">
+            <a:avLst/>
+          </a:prstGeom>
+          <a:ln w="19050">
+            <a:solidFill>
+              <a:srgbClr val="0070C0"/>
+            </a:solidFill>
+          </a:ln>
+          <a:effectLst/>
+        </p:spPr>
+        <p:style>
+          <a:lnRef idx="1">
+            <a:schemeClr val="accent1"/>
+          </a:lnRef>
+          <a:fillRef idx="2">
+            <a:schemeClr val="accent1"/>
+          </a:fillRef>
+          <a:effectRef idx="1">
+            <a:schemeClr val="accent1"/>
+          </a:effectRef>
+          <a:fontRef idx="minor">
+            <a:schemeClr val="dk1"/>
+          </a:fontRef>
+        </p:style>
+        <p:txBody>
+          <a:bodyPr rtlCol="0" anchor="ctr"/>
+          <a:lstStyle/>
+          <a:p>
+            <a:pPr algn="ctr"/>
+            <a:r>
+              <a:rPr lang="en-US" sz="700" b="1" dirty="0" err="1" smtClean="0">
+                <a:solidFill>
+                  <a:srgbClr val="0070C0"/>
+                </a:solidFill>
+              </a:rPr>
+              <a:t>DeleteByFind</a:t>
+            </a:r>
+            <a:endParaRPr lang="en-US" sz="700" b="1" dirty="0" smtClean="0">
+              <a:solidFill>
+                <a:srgbClr val="0070C0"/>
+              </a:solidFill>
+            </a:endParaRPr>
+          </a:p>
+          <a:p>
+            <a:pPr algn="ctr"/>
+            <a:r>
+              <a:rPr lang="en-US" sz="800" b="1" dirty="0" smtClean="0">
+                <a:solidFill>
+                  <a:srgbClr val="0070C0"/>
+                </a:solidFill>
+              </a:rPr>
+              <a:t>Command</a:t>
+            </a:r>
+            <a:endParaRPr lang="en-SG" sz="800" b="1" dirty="0">
+              <a:solidFill>
+                <a:srgbClr val="0070C0"/>
+              </a:solidFill>
+            </a:endParaRPr>
+          </a:p>
+        </p:txBody>
+      </p:sp>
+      <p:cxnSp>
+        <p:nvCxnSpPr>
+          <p:cNvPr id="98" name="Elbow Connector 63"/>
+          <p:cNvCxnSpPr>
+            <a:cxnSpLocks/>
+            <a:stCxn id="42" idx="1"/>
+          </p:cNvCxnSpPr>
+          <p:nvPr/>
+        </p:nvCxnSpPr>
+        <p:spPr>
+          <a:xfrm flipV="1">
+            <a:off x="5924929" y="2033182"/>
+            <a:ext cx="511881" cy="289135"/>
+          </a:xfrm>
+          <a:prstGeom prst="bentConnector3">
+            <a:avLst>
+              <a:gd name="adj1" fmla="val 50000"/>
+            </a:avLst>
+          </a:prstGeom>
+          <a:ln w="19050">
+            <a:solidFill>
+              <a:schemeClr val="accent5">
+                <a:lumMod val="75000"/>
+              </a:schemeClr>
+            </a:solidFill>
+            <a:prstDash val="sysDot"/>
+            <a:headEnd type="none" w="med" len="med"/>
+            <a:tailEnd type="arrow" w="med" len="med"/>
+          </a:ln>
+          <a:effectLst/>
+        </p:spPr>
+        <p:style>
+          <a:lnRef idx="1">
+            <a:schemeClr val="accent2"/>
+          </a:lnRef>
+          <a:fillRef idx="2">
+            <a:schemeClr val="accent2"/>
+          </a:fillRef>
+          <a:effectRef idx="1">
+            <a:schemeClr val="accent2"/>
+          </a:effectRef>
+          <a:fontRef idx="minor">
+            <a:schemeClr val="dk1"/>
+          </a:fontRef>
+        </p:style>
+      </p:cxnSp>
+      <p:cxnSp>
+        <p:nvCxnSpPr>
+          <p:cNvPr id="108" name="Elbow Connector 107"/>
+          <p:cNvCxnSpPr>
+            <a:stCxn id="114" idx="3"/>
+            <a:endCxn id="97" idx="1"/>
+          </p:cNvCxnSpPr>
+          <p:nvPr/>
+        </p:nvCxnSpPr>
+        <p:spPr>
+          <a:xfrm rot="16200000" flipV="1">
+            <a:off x="7197970" y="1763066"/>
+            <a:ext cx="306514" cy="224457"/>
+          </a:xfrm>
+          <a:prstGeom prst="bentConnector2">
+            <a:avLst/>
+          </a:prstGeom>
+          <a:ln w="19050">
+            <a:headEnd type="none" w="med" len="med"/>
+            <a:tailEnd type="none" w="med" len="med"/>
+          </a:ln>
+        </p:spPr>
+        <p:style>
+          <a:lnRef idx="1">
+            <a:schemeClr val="accent1"/>
+          </a:lnRef>
+          <a:fillRef idx="0">
+            <a:schemeClr val="accent1"/>
+          </a:fillRef>
+          <a:effectRef idx="0">
+            <a:schemeClr val="accent1"/>
+          </a:effectRef>
+          <a:fontRef idx="minor">
+            <a:schemeClr val="tx1"/>
+          </a:fontRef>
+        </p:style>
+      </p:cxnSp>
+      <p:sp>
+        <p:nvSpPr>
+          <p:cNvPr id="114" name="Isosceles Triangle 102"/>
+          <p:cNvSpPr/>
+          <p:nvPr/>
+        </p:nvSpPr>
+        <p:spPr>
+          <a:xfrm flipV="1">
+            <a:off x="7328203" y="2028552"/>
+            <a:ext cx="270504" cy="175523"/>
+          </a:xfrm>
+          <a:prstGeom prst="triangle">
+            <a:avLst/>
+          </a:prstGeom>
+          <a:solidFill>
+            <a:schemeClr val="tx2">
+              <a:lumMod val="60000"/>
+              <a:lumOff val="40000"/>
+            </a:schemeClr>
+          </a:solidFill>
+          <a:ln w="19050">
+            <a:solidFill>
+              <a:srgbClr val="0070C0"/>
+            </a:solidFill>
+          </a:ln>
+          <a:effectLst/>
+        </p:spPr>
+        <p:style>
+          <a:lnRef idx="1">
+            <a:schemeClr val="accent1"/>
+          </a:lnRef>
+          <a:fillRef idx="2">
+            <a:schemeClr val="accent1"/>
+          </a:fillRef>
+          <a:effectRef idx="1">
+            <a:schemeClr val="accent1"/>
+          </a:effectRef>
+          <a:fontRef idx="minor">
+            <a:schemeClr val="dk1"/>
+          </a:fontRef>
+        </p:style>
+        <p:txBody>
+          <a:bodyPr rtlCol="0" anchor="ctr"/>
+          <a:lstStyle/>
+          <a:p>
+            <a:pPr algn="ctr"/>
+            <a:endParaRPr lang="en-SG" sz="1050" b="1">
+              <a:solidFill>
+                <a:srgbClr val="92D050"/>
+              </a:solidFill>
+            </a:endParaRPr>
+          </a:p>
+        </p:txBody>
+      </p:sp>
+      <p:cxnSp>
+        <p:nvCxnSpPr>
+          <p:cNvPr id="117" name="Elbow Connector 116"/>
+          <p:cNvCxnSpPr/>
+          <p:nvPr/>
+        </p:nvCxnSpPr>
+        <p:spPr>
+          <a:xfrm rot="10800000" flipV="1">
+            <a:off x="7249098" y="1972466"/>
+            <a:ext cx="207370" cy="535"/>
+          </a:xfrm>
+          <a:prstGeom prst="bentConnector3">
+            <a:avLst>
+              <a:gd name="adj1" fmla="val 50000"/>
+            </a:avLst>
+          </a:prstGeom>
+          <a:ln w="19050">
+            <a:headEnd type="none" w="med" len="med"/>
+            <a:tailEnd type="none" w="med" len="med"/>
+          </a:ln>
+        </p:spPr>
+        <p:style>
+          <a:lnRef idx="1">
+            <a:schemeClr val="accent1"/>
+          </a:lnRef>
+          <a:fillRef idx="0">
+            <a:schemeClr val="accent1"/>
+          </a:fillRef>
+          <a:effectRef idx="0">
+            <a:schemeClr val="accent1"/>
+          </a:effectRef>
+          <a:fontRef idx="minor">
+            <a:schemeClr val="tx1"/>
+          </a:fontRef>
+        </p:style>
+      </p:cxnSp>
     </p:spTree>
     <p:extLst>
       <p:ext uri="{BB962C8B-B14F-4D97-AF65-F5344CB8AC3E}">

--- a/docs/diagrams/LogicComponentClassDiagram.pptx
+++ b/docs/diagrams/LogicComponentClassDiagram.pptx
@@ -208,7 +208,7 @@
           <a:p>
             <a:fld id="{F5CC4B3F-88C1-4FFA-B1B6-F41C21DC6924}" type="datetimeFigureOut">
               <a:rPr lang="en-US" smtClean="0"/>
-              <a:t>7/11/2017</a:t>
+              <a:t>7/18/2017</a:t>
             </a:fld>
             <a:endParaRPr lang="en-US"/>
           </a:p>
@@ -654,7 +654,7 @@
           <a:p>
             <a:fld id="{78C97017-6FC3-485B-9764-EAC9E56C1D49}" type="datetimeFigureOut">
               <a:rPr lang="en-US" smtClean="0"/>
-              <a:t>7/11/2017</a:t>
+              <a:t>7/18/2017</a:t>
             </a:fld>
             <a:endParaRPr lang="en-US"/>
           </a:p>
@@ -822,7 +822,7 @@
           <a:p>
             <a:fld id="{78C97017-6FC3-485B-9764-EAC9E56C1D49}" type="datetimeFigureOut">
               <a:rPr lang="en-US" smtClean="0"/>
-              <a:t>7/11/2017</a:t>
+              <a:t>7/18/2017</a:t>
             </a:fld>
             <a:endParaRPr lang="en-US"/>
           </a:p>
@@ -1000,7 +1000,7 @@
           <a:p>
             <a:fld id="{78C97017-6FC3-485B-9764-EAC9E56C1D49}" type="datetimeFigureOut">
               <a:rPr lang="en-US" smtClean="0"/>
-              <a:t>7/11/2017</a:t>
+              <a:t>7/18/2017</a:t>
             </a:fld>
             <a:endParaRPr lang="en-US"/>
           </a:p>
@@ -1168,7 +1168,7 @@
           <a:p>
             <a:fld id="{78C97017-6FC3-485B-9764-EAC9E56C1D49}" type="datetimeFigureOut">
               <a:rPr lang="en-US" smtClean="0"/>
-              <a:t>7/11/2017</a:t>
+              <a:t>7/18/2017</a:t>
             </a:fld>
             <a:endParaRPr lang="en-US"/>
           </a:p>
@@ -1413,7 +1413,7 @@
           <a:p>
             <a:fld id="{78C97017-6FC3-485B-9764-EAC9E56C1D49}" type="datetimeFigureOut">
               <a:rPr lang="en-US" smtClean="0"/>
-              <a:t>7/11/2017</a:t>
+              <a:t>7/18/2017</a:t>
             </a:fld>
             <a:endParaRPr lang="en-US"/>
           </a:p>
@@ -1698,7 +1698,7 @@
           <a:p>
             <a:fld id="{78C97017-6FC3-485B-9764-EAC9E56C1D49}" type="datetimeFigureOut">
               <a:rPr lang="en-US" smtClean="0"/>
-              <a:t>7/11/2017</a:t>
+              <a:t>7/18/2017</a:t>
             </a:fld>
             <a:endParaRPr lang="en-US"/>
           </a:p>
@@ -2117,7 +2117,7 @@
           <a:p>
             <a:fld id="{78C97017-6FC3-485B-9764-EAC9E56C1D49}" type="datetimeFigureOut">
               <a:rPr lang="en-US" smtClean="0"/>
-              <a:t>7/11/2017</a:t>
+              <a:t>7/18/2017</a:t>
             </a:fld>
             <a:endParaRPr lang="en-US"/>
           </a:p>
@@ -2234,7 +2234,7 @@
           <a:p>
             <a:fld id="{78C97017-6FC3-485B-9764-EAC9E56C1D49}" type="datetimeFigureOut">
               <a:rPr lang="en-US" smtClean="0"/>
-              <a:t>7/11/2017</a:t>
+              <a:t>7/18/2017</a:t>
             </a:fld>
             <a:endParaRPr lang="en-US"/>
           </a:p>
@@ -2329,7 +2329,7 @@
           <a:p>
             <a:fld id="{78C97017-6FC3-485B-9764-EAC9E56C1D49}" type="datetimeFigureOut">
               <a:rPr lang="en-US" smtClean="0"/>
-              <a:t>7/11/2017</a:t>
+              <a:t>7/18/2017</a:t>
             </a:fld>
             <a:endParaRPr lang="en-US"/>
           </a:p>
@@ -2604,7 +2604,7 @@
           <a:p>
             <a:fld id="{78C97017-6FC3-485B-9764-EAC9E56C1D49}" type="datetimeFigureOut">
               <a:rPr lang="en-US" smtClean="0"/>
-              <a:t>7/11/2017</a:t>
+              <a:t>7/18/2017</a:t>
             </a:fld>
             <a:endParaRPr lang="en-US"/>
           </a:p>
@@ -2856,7 +2856,7 @@
           <a:p>
             <a:fld id="{78C97017-6FC3-485B-9764-EAC9E56C1D49}" type="datetimeFigureOut">
               <a:rPr lang="en-US" smtClean="0"/>
-              <a:t>7/11/2017</a:t>
+              <a:t>7/18/2017</a:t>
             </a:fld>
             <a:endParaRPr lang="en-US"/>
           </a:p>
@@ -3067,7 +3067,7 @@
           <a:p>
             <a:fld id="{78C97017-6FC3-485B-9764-EAC9E56C1D49}" type="datetimeFigureOut">
               <a:rPr lang="en-US" smtClean="0"/>
-              <a:t>7/11/2017</a:t>
+              <a:t>7/18/2017</a:t>
             </a:fld>
             <a:endParaRPr lang="en-US"/>
           </a:p>
@@ -3450,7 +3450,7 @@
         </p:nvSpPr>
         <p:spPr>
           <a:xfrm>
-            <a:off x="1110780" y="906536"/>
+            <a:off x="1143000" y="906536"/>
             <a:ext cx="7467600" cy="3733800"/>
           </a:xfrm>
           <a:prstGeom prst="roundRect">
@@ -3881,15 +3881,7 @@
                   <a:srgbClr val="0070C0"/>
                 </a:solidFill>
               </a:rPr>
-              <a:t>Add</a:t>
-            </a:r>
-            <a:r>
-              <a:rPr lang="en-US" sz="1050" b="1" dirty="0" err="1" smtClean="0">
-                <a:solidFill>
-                  <a:srgbClr val="0070C0"/>
-                </a:solidFill>
-              </a:rPr>
-              <a:t>Command</a:t>
+              <a:t>AddCommand</a:t>
             </a:r>
             <a:endParaRPr lang="en-SG" sz="1050" b="1" dirty="0">
               <a:solidFill>
@@ -3907,7 +3899,7 @@
         </p:nvSpPr>
         <p:spPr>
           <a:xfrm flipH="1">
-            <a:off x="6526365" y="3396383"/>
+            <a:off x="6535650" y="3740029"/>
             <a:ext cx="1093635" cy="346760"/>
           </a:xfrm>
           <a:prstGeom prst="rect">
@@ -4719,7 +4711,7 @@
         </p:nvSpPr>
         <p:spPr>
           <a:xfrm flipH="1">
-            <a:off x="6526365" y="2956137"/>
+            <a:off x="6535650" y="3325585"/>
             <a:ext cx="1093635" cy="346760"/>
           </a:xfrm>
           <a:prstGeom prst="rect">
@@ -4853,15 +4845,7 @@
                   <a:schemeClr val="bg1"/>
                 </a:solidFill>
               </a:rPr>
-              <a:t>Delete</a:t>
-            </a:r>
-            <a:r>
-              <a:rPr lang="en-US" sz="1000" b="1" dirty="0" err="1" smtClean="0">
-                <a:solidFill>
-                  <a:schemeClr val="bg1"/>
-                </a:solidFill>
-              </a:rPr>
-              <a:t>Command</a:t>
+              <a:t>DeleteCommand</a:t>
             </a:r>
             <a:endParaRPr lang="en-US" sz="1050" b="1" dirty="0">
               <a:solidFill>
@@ -5838,8 +5822,8 @@
         </p:nvCxnSpPr>
         <p:spPr>
           <a:xfrm rot="16200000" flipV="1">
-            <a:off x="7296652" y="3452865"/>
-            <a:ext cx="850958" cy="204262"/>
+            <a:off x="7486019" y="3642231"/>
+            <a:ext cx="481510" cy="194977"/>
           </a:xfrm>
           <a:prstGeom prst="bentConnector2">
             <a:avLst/>
@@ -5929,8 +5913,8 @@
         </p:nvCxnSpPr>
         <p:spPr>
           <a:xfrm rot="16200000" flipV="1">
-            <a:off x="7516775" y="3672988"/>
-            <a:ext cx="410712" cy="204262"/>
+            <a:off x="7693241" y="3849453"/>
+            <a:ext cx="67066" cy="194977"/>
           </a:xfrm>
           <a:prstGeom prst="bentConnector2">
             <a:avLst/>
@@ -6656,7 +6640,7 @@
         </p:nvSpPr>
         <p:spPr>
           <a:xfrm>
-            <a:off x="1295065" y="4183424"/>
+            <a:off x="4994603" y="3854405"/>
             <a:ext cx="805984" cy="346760"/>
           </a:xfrm>
           <a:prstGeom prst="rect">
@@ -6726,8 +6710,8 @@
         </p:nvCxnSpPr>
         <p:spPr>
           <a:xfrm>
-            <a:off x="1971157" y="3939492"/>
-            <a:ext cx="2022" cy="240622"/>
+            <a:off x="2884237" y="4065022"/>
+            <a:ext cx="2106577" cy="1130"/>
           </a:xfrm>
           <a:prstGeom prst="straightConnector1">
             <a:avLst/>
@@ -6764,7 +6748,7 @@
         </p:nvSpPr>
         <p:spPr>
           <a:xfrm>
-            <a:off x="1773980" y="4000395"/>
+            <a:off x="2895600" y="3883968"/>
             <a:ext cx="131116" cy="230832"/>
           </a:xfrm>
           <a:prstGeom prst="rect">
@@ -7194,6 +7178,325 @@
           <a:xfrm rot="10800000" flipV="1">
             <a:off x="7249098" y="1972466"/>
             <a:ext cx="207370" cy="535"/>
+          </a:xfrm>
+          <a:prstGeom prst="bentConnector3">
+            <a:avLst>
+              <a:gd name="adj1" fmla="val 50000"/>
+            </a:avLst>
+          </a:prstGeom>
+          <a:ln w="19050">
+            <a:headEnd type="none" w="med" len="med"/>
+            <a:tailEnd type="none" w="med" len="med"/>
+          </a:ln>
+        </p:spPr>
+        <p:style>
+          <a:lnRef idx="1">
+            <a:schemeClr val="accent1"/>
+          </a:lnRef>
+          <a:fillRef idx="0">
+            <a:schemeClr val="accent1"/>
+          </a:fillRef>
+          <a:effectRef idx="0">
+            <a:schemeClr val="accent1"/>
+          </a:effectRef>
+          <a:fontRef idx="minor">
+            <a:schemeClr val="tx1"/>
+          </a:fontRef>
+        </p:style>
+      </p:cxnSp>
+      <p:cxnSp>
+        <p:nvCxnSpPr>
+          <p:cNvPr id="92" name="Elbow Connector 91"/>
+          <p:cNvCxnSpPr/>
+          <p:nvPr/>
+        </p:nvCxnSpPr>
+        <p:spPr>
+          <a:xfrm rot="16200000" flipV="1">
+            <a:off x="2787312" y="3977905"/>
+            <a:ext cx="193287" cy="187"/>
+          </a:xfrm>
+          <a:prstGeom prst="bentConnector3">
+            <a:avLst>
+              <a:gd name="adj1" fmla="val 50000"/>
+            </a:avLst>
+          </a:prstGeom>
+          <a:ln w="19050">
+            <a:headEnd type="none" w="med" len="med"/>
+            <a:tailEnd type="none" w="med" len="med"/>
+          </a:ln>
+        </p:spPr>
+        <p:style>
+          <a:lnRef idx="1">
+            <a:schemeClr val="accent1"/>
+          </a:lnRef>
+          <a:fillRef idx="0">
+            <a:schemeClr val="accent1"/>
+          </a:fillRef>
+          <a:effectRef idx="0">
+            <a:schemeClr val="accent1"/>
+          </a:effectRef>
+          <a:fontRef idx="minor">
+            <a:schemeClr val="tx1"/>
+          </a:fontRef>
+        </p:style>
+      </p:cxnSp>
+      <p:cxnSp>
+        <p:nvCxnSpPr>
+          <p:cNvPr id="99" name="Elbow Connector 63"/>
+          <p:cNvCxnSpPr>
+            <a:endCxn id="86" idx="3"/>
+          </p:cNvCxnSpPr>
+          <p:nvPr/>
+        </p:nvCxnSpPr>
+        <p:spPr>
+          <a:xfrm rot="5400000">
+            <a:off x="5552429" y="3357504"/>
+            <a:ext cx="918439" cy="422122"/>
+          </a:xfrm>
+          <a:prstGeom prst="bentConnector2">
+            <a:avLst/>
+          </a:prstGeom>
+          <a:ln w="19050">
+            <a:solidFill>
+              <a:schemeClr val="accent5">
+                <a:lumMod val="75000"/>
+              </a:schemeClr>
+            </a:solidFill>
+            <a:prstDash val="sysDot"/>
+            <a:headEnd type="none" w="med" len="med"/>
+            <a:tailEnd type="arrow" w="med" len="med"/>
+          </a:ln>
+          <a:effectLst/>
+        </p:spPr>
+        <p:style>
+          <a:lnRef idx="1">
+            <a:schemeClr val="accent2"/>
+          </a:lnRef>
+          <a:fillRef idx="2">
+            <a:schemeClr val="accent2"/>
+          </a:fillRef>
+          <a:effectRef idx="1">
+            <a:schemeClr val="accent2"/>
+          </a:effectRef>
+          <a:fontRef idx="minor">
+            <a:schemeClr val="dk1"/>
+          </a:fontRef>
+        </p:style>
+      </p:cxnSp>
+      <p:grpSp>
+        <p:nvGrpSpPr>
+          <p:cNvPr id="106" name="Group 105"/>
+          <p:cNvGrpSpPr/>
+          <p:nvPr/>
+        </p:nvGrpSpPr>
+        <p:grpSpPr>
+          <a:xfrm rot="16200000">
+            <a:off x="5982725" y="3568173"/>
+            <a:ext cx="555486" cy="254462"/>
+            <a:chOff x="3577578" y="644022"/>
+            <a:chExt cx="555486" cy="230832"/>
+          </a:xfrm>
+        </p:grpSpPr>
+        <p:sp>
+          <p:nvSpPr>
+            <p:cNvPr id="107" name="TextBox 106"/>
+            <p:cNvSpPr txBox="1"/>
+            <p:nvPr/>
+          </p:nvSpPr>
+          <p:spPr>
+            <a:xfrm rot="10800000">
+              <a:off x="3577578" y="644022"/>
+              <a:ext cx="555486" cy="230832"/>
+            </a:xfrm>
+            <a:prstGeom prst="rect">
+              <a:avLst/>
+            </a:prstGeom>
+            <a:noFill/>
+          </p:spPr>
+          <p:txBody>
+            <a:bodyPr wrap="square" lIns="0" tIns="0" rIns="0" bIns="0" rtlCol="0">
+              <a:noAutofit/>
+            </a:bodyPr>
+            <a:lstStyle/>
+            <a:p>
+              <a:r>
+                <a:rPr lang="en-US" sz="1100" dirty="0" smtClean="0">
+                  <a:solidFill>
+                    <a:schemeClr val="accent5">
+                      <a:lumMod val="75000"/>
+                    </a:schemeClr>
+                  </a:solidFill>
+                </a:rPr>
+                <a:t>uses</a:t>
+              </a:r>
+              <a:endParaRPr lang="en-SG" sz="1100" dirty="0">
+                <a:solidFill>
+                  <a:schemeClr val="accent5">
+                    <a:lumMod val="75000"/>
+                  </a:schemeClr>
+                </a:solidFill>
+              </a:endParaRPr>
+            </a:p>
+          </p:txBody>
+        </p:sp>
+        <p:sp>
+          <p:nvSpPr>
+            <p:cNvPr id="111" name="Isosceles Triangle 110"/>
+            <p:cNvSpPr/>
+            <p:nvPr/>
+          </p:nvSpPr>
+          <p:spPr>
+            <a:xfrm rot="5400000" flipV="1">
+              <a:off x="3700294" y="741689"/>
+              <a:ext cx="119885" cy="88141"/>
+            </a:xfrm>
+            <a:prstGeom prst="triangle">
+              <a:avLst/>
+            </a:prstGeom>
+            <a:solidFill>
+              <a:schemeClr val="accent5">
+                <a:lumMod val="75000"/>
+              </a:schemeClr>
+            </a:solidFill>
+            <a:ln>
+              <a:noFill/>
+            </a:ln>
+          </p:spPr>
+          <p:style>
+            <a:lnRef idx="2">
+              <a:schemeClr val="accent1">
+                <a:shade val="50000"/>
+              </a:schemeClr>
+            </a:lnRef>
+            <a:fillRef idx="1">
+              <a:schemeClr val="accent1"/>
+            </a:fillRef>
+            <a:effectRef idx="0">
+              <a:schemeClr val="accent1"/>
+            </a:effectRef>
+            <a:fontRef idx="minor">
+              <a:schemeClr val="lt1"/>
+            </a:fontRef>
+          </p:style>
+          <p:txBody>
+            <a:bodyPr rtlCol="0" anchor="ctr"/>
+            <a:lstStyle/>
+            <a:p>
+              <a:pPr algn="ctr"/>
+              <a:endParaRPr lang="en-SG"/>
+            </a:p>
+          </p:txBody>
+        </p:sp>
+      </p:grpSp>
+      <p:cxnSp>
+        <p:nvCxnSpPr>
+          <p:cNvPr id="115" name="Straight Connector 114"/>
+          <p:cNvCxnSpPr>
+            <a:cxnSpLocks/>
+          </p:cNvCxnSpPr>
+          <p:nvPr/>
+        </p:nvCxnSpPr>
+        <p:spPr>
+          <a:xfrm>
+            <a:off x="6223405" y="3084834"/>
+            <a:ext cx="280309" cy="5120"/>
+          </a:xfrm>
+          <a:prstGeom prst="line">
+            <a:avLst/>
+          </a:prstGeom>
+          <a:ln w="19050">
+            <a:solidFill>
+              <a:schemeClr val="accent5">
+                <a:lumMod val="50000"/>
+              </a:schemeClr>
+            </a:solidFill>
+            <a:prstDash val="sysDot"/>
+            <a:headEnd type="none" w="med" len="med"/>
+            <a:tailEnd type="none" w="med" len="med"/>
+          </a:ln>
+          <a:effectLst/>
+        </p:spPr>
+        <p:style>
+          <a:lnRef idx="1">
+            <a:schemeClr val="accent2"/>
+          </a:lnRef>
+          <a:fillRef idx="2">
+            <a:schemeClr val="accent2"/>
+          </a:fillRef>
+          <a:effectRef idx="1">
+            <a:schemeClr val="accent2"/>
+          </a:effectRef>
+          <a:fontRef idx="minor">
+            <a:schemeClr val="dk1"/>
+          </a:fontRef>
+        </p:style>
+      </p:cxnSp>
+      <p:sp>
+        <p:nvSpPr>
+          <p:cNvPr id="119" name="Rectangle 118"/>
+          <p:cNvSpPr/>
+          <p:nvPr/>
+        </p:nvSpPr>
+        <p:spPr>
+          <a:xfrm flipH="1">
+            <a:off x="6535650" y="2932077"/>
+            <a:ext cx="1093635" cy="346760"/>
+          </a:xfrm>
+          <a:prstGeom prst="rect">
+            <a:avLst/>
+          </a:prstGeom>
+          <a:ln w="19050">
+            <a:solidFill>
+              <a:srgbClr val="0070C0"/>
+            </a:solidFill>
+          </a:ln>
+          <a:effectLst/>
+        </p:spPr>
+        <p:style>
+          <a:lnRef idx="1">
+            <a:schemeClr val="accent1"/>
+          </a:lnRef>
+          <a:fillRef idx="2">
+            <a:schemeClr val="accent1"/>
+          </a:fillRef>
+          <a:effectRef idx="1">
+            <a:schemeClr val="accent1"/>
+          </a:effectRef>
+          <a:fontRef idx="minor">
+            <a:schemeClr val="dk1"/>
+          </a:fontRef>
+        </p:style>
+        <p:txBody>
+          <a:bodyPr rtlCol="0" anchor="ctr"/>
+          <a:lstStyle/>
+          <a:p>
+            <a:pPr algn="ctr"/>
+            <a:r>
+              <a:rPr lang="en-US" sz="1050" b="1" dirty="0" err="1" smtClean="0">
+                <a:solidFill>
+                  <a:srgbClr val="0070C0"/>
+                </a:solidFill>
+              </a:rPr>
+              <a:t>EditCommand</a:t>
+            </a:r>
+            <a:endParaRPr lang="en-SG" sz="1050" b="1" dirty="0">
+              <a:solidFill>
+                <a:srgbClr val="0070C0"/>
+              </a:solidFill>
+            </a:endParaRPr>
+          </a:p>
+        </p:txBody>
+      </p:sp>
+      <p:cxnSp>
+        <p:nvCxnSpPr>
+          <p:cNvPr id="121" name="Elbow Connector 120"/>
+          <p:cNvCxnSpPr/>
+          <p:nvPr/>
+        </p:nvCxnSpPr>
+        <p:spPr>
+          <a:xfrm rot="10800000" flipV="1">
+            <a:off x="7621014" y="3089954"/>
+            <a:ext cx="203246" cy="10378"/>
           </a:xfrm>
           <a:prstGeom prst="bentConnector3">
             <a:avLst>

--- a/docs/diagrams/LogicComponentClassDiagram.pptx
+++ b/docs/diagrams/LogicComponentClassDiagram.pptx
@@ -208,7 +208,7 @@
           <a:p>
             <a:fld id="{F5CC4B3F-88C1-4FFA-B1B6-F41C21DC6924}" type="datetimeFigureOut">
               <a:rPr lang="en-US" smtClean="0"/>
-              <a:t>7/18/2017</a:t>
+              <a:t>7/23/2017</a:t>
             </a:fld>
             <a:endParaRPr lang="en-US"/>
           </a:p>
@@ -475,6 +475,90 @@
 </p:notesMaster>
 </file>
 
+<file path=ppt/notesSlides/notesSlide1.xml><?xml version="1.0" encoding="utf-8"?>
+<p:notes xmlns:a="http://schemas.openxmlformats.org/drawingml/2006/main" xmlns:r="http://schemas.openxmlformats.org/officeDocument/2006/relationships" xmlns:p="http://schemas.openxmlformats.org/presentationml/2006/main">
+  <p:cSld>
+    <p:spTree>
+      <p:nvGrpSpPr>
+        <p:cNvPr id="1" name=""/>
+        <p:cNvGrpSpPr/>
+        <p:nvPr/>
+      </p:nvGrpSpPr>
+      <p:grpSpPr>
+        <a:xfrm>
+          <a:off x="0" y="0"/>
+          <a:ext cx="0" cy="0"/>
+          <a:chOff x="0" y="0"/>
+          <a:chExt cx="0" cy="0"/>
+        </a:xfrm>
+      </p:grpSpPr>
+      <p:sp>
+        <p:nvSpPr>
+          <p:cNvPr id="2" name="Slide Image Placeholder 1"/>
+          <p:cNvSpPr>
+            <a:spLocks noGrp="1" noRot="1" noChangeAspect="1"/>
+          </p:cNvSpPr>
+          <p:nvPr>
+            <p:ph type="sldImg"/>
+          </p:nvPr>
+        </p:nvSpPr>
+        <p:spPr/>
+      </p:sp>
+      <p:sp>
+        <p:nvSpPr>
+          <p:cNvPr id="3" name="Notes Placeholder 2"/>
+          <p:cNvSpPr>
+            <a:spLocks noGrp="1"/>
+          </p:cNvSpPr>
+          <p:nvPr>
+            <p:ph type="body" idx="1"/>
+          </p:nvPr>
+        </p:nvSpPr>
+        <p:spPr/>
+        <p:txBody>
+          <a:bodyPr/>
+          <a:lstStyle/>
+          <a:p>
+            <a:endParaRPr lang="en-SG" dirty="0"/>
+          </a:p>
+        </p:txBody>
+      </p:sp>
+      <p:sp>
+        <p:nvSpPr>
+          <p:cNvPr id="4" name="Slide Number Placeholder 3"/>
+          <p:cNvSpPr>
+            <a:spLocks noGrp="1"/>
+          </p:cNvSpPr>
+          <p:nvPr>
+            <p:ph type="sldNum" sz="quarter" idx="10"/>
+          </p:nvPr>
+        </p:nvSpPr>
+        <p:spPr/>
+        <p:txBody>
+          <a:bodyPr/>
+          <a:lstStyle/>
+          <a:p>
+            <a:fld id="{5A7AB025-77E3-4BD1-A2FD-B3183DBA47A3}" type="slidenum">
+              <a:rPr lang="en-US" smtClean="0"/>
+              <a:t>1</a:t>
+            </a:fld>
+            <a:endParaRPr lang="en-US"/>
+          </a:p>
+        </p:txBody>
+      </p:sp>
+    </p:spTree>
+    <p:extLst>
+      <p:ext uri="{BB962C8B-B14F-4D97-AF65-F5344CB8AC3E}">
+        <p14:creationId xmlns:p14="http://schemas.microsoft.com/office/powerpoint/2010/main" val="2854529022"/>
+      </p:ext>
+    </p:extLst>
+  </p:cSld>
+  <p:clrMapOvr>
+    <a:masterClrMapping/>
+  </p:clrMapOvr>
+</p:notes>
+</file>
+
 <file path=ppt/slideLayouts/slideLayout1.xml><?xml version="1.0" encoding="utf-8"?>
 <p:sldLayout xmlns:a="http://schemas.openxmlformats.org/drawingml/2006/main" xmlns:r="http://schemas.openxmlformats.org/officeDocument/2006/relationships" xmlns:p="http://schemas.openxmlformats.org/presentationml/2006/main" type="title" preserve="1">
   <p:cSld name="Title Slide">
@@ -654,7 +738,7 @@
           <a:p>
             <a:fld id="{78C97017-6FC3-485B-9764-EAC9E56C1D49}" type="datetimeFigureOut">
               <a:rPr lang="en-US" smtClean="0"/>
-              <a:t>7/18/2017</a:t>
+              <a:t>7/23/2017</a:t>
             </a:fld>
             <a:endParaRPr lang="en-US"/>
           </a:p>
@@ -822,7 +906,7 @@
           <a:p>
             <a:fld id="{78C97017-6FC3-485B-9764-EAC9E56C1D49}" type="datetimeFigureOut">
               <a:rPr lang="en-US" smtClean="0"/>
-              <a:t>7/18/2017</a:t>
+              <a:t>7/23/2017</a:t>
             </a:fld>
             <a:endParaRPr lang="en-US"/>
           </a:p>
@@ -1000,7 +1084,7 @@
           <a:p>
             <a:fld id="{78C97017-6FC3-485B-9764-EAC9E56C1D49}" type="datetimeFigureOut">
               <a:rPr lang="en-US" smtClean="0"/>
-              <a:t>7/18/2017</a:t>
+              <a:t>7/23/2017</a:t>
             </a:fld>
             <a:endParaRPr lang="en-US"/>
           </a:p>
@@ -1168,7 +1252,7 @@
           <a:p>
             <a:fld id="{78C97017-6FC3-485B-9764-EAC9E56C1D49}" type="datetimeFigureOut">
               <a:rPr lang="en-US" smtClean="0"/>
-              <a:t>7/18/2017</a:t>
+              <a:t>7/23/2017</a:t>
             </a:fld>
             <a:endParaRPr lang="en-US"/>
           </a:p>
@@ -1413,7 +1497,7 @@
           <a:p>
             <a:fld id="{78C97017-6FC3-485B-9764-EAC9E56C1D49}" type="datetimeFigureOut">
               <a:rPr lang="en-US" smtClean="0"/>
-              <a:t>7/18/2017</a:t>
+              <a:t>7/23/2017</a:t>
             </a:fld>
             <a:endParaRPr lang="en-US"/>
           </a:p>
@@ -1698,7 +1782,7 @@
           <a:p>
             <a:fld id="{78C97017-6FC3-485B-9764-EAC9E56C1D49}" type="datetimeFigureOut">
               <a:rPr lang="en-US" smtClean="0"/>
-              <a:t>7/18/2017</a:t>
+              <a:t>7/23/2017</a:t>
             </a:fld>
             <a:endParaRPr lang="en-US"/>
           </a:p>
@@ -2117,7 +2201,7 @@
           <a:p>
             <a:fld id="{78C97017-6FC3-485B-9764-EAC9E56C1D49}" type="datetimeFigureOut">
               <a:rPr lang="en-US" smtClean="0"/>
-              <a:t>7/18/2017</a:t>
+              <a:t>7/23/2017</a:t>
             </a:fld>
             <a:endParaRPr lang="en-US"/>
           </a:p>
@@ -2234,7 +2318,7 @@
           <a:p>
             <a:fld id="{78C97017-6FC3-485B-9764-EAC9E56C1D49}" type="datetimeFigureOut">
               <a:rPr lang="en-US" smtClean="0"/>
-              <a:t>7/18/2017</a:t>
+              <a:t>7/23/2017</a:t>
             </a:fld>
             <a:endParaRPr lang="en-US"/>
           </a:p>
@@ -2329,7 +2413,7 @@
           <a:p>
             <a:fld id="{78C97017-6FC3-485B-9764-EAC9E56C1D49}" type="datetimeFigureOut">
               <a:rPr lang="en-US" smtClean="0"/>
-              <a:t>7/18/2017</a:t>
+              <a:t>7/23/2017</a:t>
             </a:fld>
             <a:endParaRPr lang="en-US"/>
           </a:p>
@@ -2604,7 +2688,7 @@
           <a:p>
             <a:fld id="{78C97017-6FC3-485B-9764-EAC9E56C1D49}" type="datetimeFigureOut">
               <a:rPr lang="en-US" smtClean="0"/>
-              <a:t>7/18/2017</a:t>
+              <a:t>7/23/2017</a:t>
             </a:fld>
             <a:endParaRPr lang="en-US"/>
           </a:p>
@@ -2856,7 +2940,7 @@
           <a:p>
             <a:fld id="{78C97017-6FC3-485B-9764-EAC9E56C1D49}" type="datetimeFigureOut">
               <a:rPr lang="en-US" smtClean="0"/>
-              <a:t>7/18/2017</a:t>
+              <a:t>7/23/2017</a:t>
             </a:fld>
             <a:endParaRPr lang="en-US"/>
           </a:p>
@@ -3067,7 +3151,7 @@
           <a:p>
             <a:fld id="{78C97017-6FC3-485B-9764-EAC9E56C1D49}" type="datetimeFigureOut">
               <a:rPr lang="en-US" smtClean="0"/>
-              <a:t>7/18/2017</a:t>
+              <a:t>7/23/2017</a:t>
             </a:fld>
             <a:endParaRPr lang="en-US"/>
           </a:p>
@@ -3450,8 +3534,8 @@
         </p:nvSpPr>
         <p:spPr>
           <a:xfrm>
-            <a:off x="1143000" y="906536"/>
-            <a:ext cx="7467600" cy="3733800"/>
+            <a:off x="1162886" y="914400"/>
+            <a:ext cx="7447714" cy="3887666"/>
           </a:xfrm>
           <a:prstGeom prst="roundRect">
             <a:avLst>
@@ -3564,14 +3648,220 @@
       </p:sp>
       <p:sp>
         <p:nvSpPr>
-          <p:cNvPr id="4" name="Rectangle 11"/>
+          <p:cNvPr id="5" name="Rectangle 62"/>
           <p:cNvSpPr/>
           <p:nvPr/>
         </p:nvSpPr>
         <p:spPr>
+          <a:xfrm>
+            <a:off x="1782495" y="3583530"/>
+            <a:ext cx="1093635" cy="346760"/>
+          </a:xfrm>
+          <a:prstGeom prst="rect">
+            <a:avLst/>
+          </a:prstGeom>
+          <a:solidFill>
+            <a:srgbClr val="0070C0"/>
+          </a:solidFill>
+          <a:ln w="19050">
+            <a:solidFill>
+              <a:srgbClr val="0070C0"/>
+            </a:solidFill>
+          </a:ln>
+          <a:effectLst/>
+        </p:spPr>
+        <p:style>
+          <a:lnRef idx="1">
+            <a:schemeClr val="accent2"/>
+          </a:lnRef>
+          <a:fillRef idx="2">
+            <a:schemeClr val="accent2"/>
+          </a:fillRef>
+          <a:effectRef idx="1">
+            <a:schemeClr val="accent2"/>
+          </a:effectRef>
+          <a:fontRef idx="minor">
+            <a:schemeClr val="dk1"/>
+          </a:fontRef>
+        </p:style>
+        <p:txBody>
+          <a:bodyPr rtlCol="0" anchor="ctr"/>
+          <a:lstStyle/>
+          <a:p>
+            <a:pPr algn="ctr"/>
+            <a:r>
+              <a:rPr lang="en-US" sz="1050" dirty="0" err="1">
+                <a:solidFill>
+                  <a:schemeClr val="bg1"/>
+                </a:solidFill>
+              </a:rPr>
+              <a:t>LogicManager</a:t>
+            </a:r>
+            <a:endParaRPr lang="en-SG" sz="1050" dirty="0">
+              <a:solidFill>
+                <a:schemeClr val="bg1"/>
+              </a:solidFill>
+            </a:endParaRPr>
+          </a:p>
+        </p:txBody>
+      </p:sp>
+      <p:cxnSp>
+        <p:nvCxnSpPr>
+          <p:cNvPr id="6" name="Elbow Connector 63"/>
+          <p:cNvCxnSpPr>
+            <a:stCxn id="12" idx="3"/>
+            <a:endCxn id="3" idx="3"/>
+          </p:cNvCxnSpPr>
+          <p:nvPr/>
+        </p:nvCxnSpPr>
+        <p:spPr>
+          <a:xfrm flipH="1" flipV="1">
+            <a:off x="3189583" y="1426447"/>
+            <a:ext cx="5020699" cy="3124573"/>
+          </a:xfrm>
+          <a:prstGeom prst="bentConnector3">
+            <a:avLst>
+              <a:gd name="adj1" fmla="val -6085"/>
+            </a:avLst>
+          </a:prstGeom>
+          <a:ln w="19050">
+            <a:solidFill>
+              <a:srgbClr val="0070C0"/>
+            </a:solidFill>
+            <a:prstDash val="sysDot"/>
+            <a:headEnd type="none" w="med" len="med"/>
+            <a:tailEnd type="arrow" w="med" len="med"/>
+          </a:ln>
+          <a:effectLst/>
+        </p:spPr>
+        <p:style>
+          <a:lnRef idx="1">
+            <a:schemeClr val="accent2"/>
+          </a:lnRef>
+          <a:fillRef idx="2">
+            <a:schemeClr val="accent2"/>
+          </a:fillRef>
+          <a:effectRef idx="1">
+            <a:schemeClr val="accent2"/>
+          </a:effectRef>
+          <a:fontRef idx="minor">
+            <a:schemeClr val="dk1"/>
+          </a:fontRef>
+        </p:style>
+      </p:cxnSp>
+      <p:cxnSp>
+        <p:nvCxnSpPr>
+          <p:cNvPr id="8" name="Elbow Connector 122"/>
+          <p:cNvCxnSpPr>
+            <a:endCxn id="3" idx="1"/>
+          </p:cNvCxnSpPr>
+          <p:nvPr/>
+        </p:nvCxnSpPr>
+        <p:spPr>
+          <a:xfrm>
+            <a:off x="1676400" y="1423587"/>
+            <a:ext cx="419548" cy="2860"/>
+          </a:xfrm>
+          <a:prstGeom prst="bentConnector3">
+            <a:avLst>
+              <a:gd name="adj1" fmla="val 50000"/>
+            </a:avLst>
+          </a:prstGeom>
+          <a:ln w="19050">
+            <a:solidFill>
+              <a:srgbClr val="0070C0"/>
+            </a:solidFill>
+            <a:prstDash val="sysDot"/>
+            <a:headEnd type="none" w="med" len="med"/>
+            <a:tailEnd type="arrow" w="med" len="med"/>
+          </a:ln>
+          <a:effectLst/>
+        </p:spPr>
+        <p:style>
+          <a:lnRef idx="1">
+            <a:schemeClr val="accent2"/>
+          </a:lnRef>
+          <a:fillRef idx="2">
+            <a:schemeClr val="accent2"/>
+          </a:fillRef>
+          <a:effectRef idx="1">
+            <a:schemeClr val="accent2"/>
+          </a:effectRef>
+          <a:fontRef idx="minor">
+            <a:schemeClr val="dk1"/>
+          </a:fontRef>
+        </p:style>
+      </p:cxnSp>
+      <p:sp>
+        <p:nvSpPr>
+          <p:cNvPr id="9" name="Rectangle 65"/>
+          <p:cNvSpPr/>
+          <p:nvPr/>
+        </p:nvSpPr>
+        <p:spPr>
+          <a:xfrm>
+            <a:off x="1103085" y="4876800"/>
+            <a:ext cx="7431315" cy="328045"/>
+          </a:xfrm>
+          <a:prstGeom prst="roundRect">
+            <a:avLst/>
+          </a:prstGeom>
+          <a:solidFill>
+            <a:schemeClr val="accent4">
+              <a:lumMod val="20000"/>
+              <a:lumOff val="80000"/>
+            </a:schemeClr>
+          </a:solidFill>
+          <a:ln w="19050">
+            <a:noFill/>
+          </a:ln>
+          <a:effectLst/>
+        </p:spPr>
+        <p:style>
+          <a:lnRef idx="1">
+            <a:schemeClr val="accent2"/>
+          </a:lnRef>
+          <a:fillRef idx="2">
+            <a:schemeClr val="accent2"/>
+          </a:fillRef>
+          <a:effectRef idx="1">
+            <a:schemeClr val="accent2"/>
+          </a:effectRef>
+          <a:fontRef idx="minor">
+            <a:schemeClr val="dk1"/>
+          </a:fontRef>
+        </p:style>
+        <p:txBody>
+          <a:bodyPr rtlCol="0" anchor="ctr"/>
+          <a:lstStyle/>
+          <a:p>
+            <a:pPr algn="ctr"/>
+            <a:r>
+              <a:rPr lang="en-US" sz="1100" b="1" dirty="0">
+                <a:solidFill>
+                  <a:schemeClr val="bg1"/>
+                </a:solidFill>
+              </a:rPr>
+              <a:t>Model</a:t>
+            </a:r>
+            <a:endParaRPr lang="en-SG" sz="1100" b="1" dirty="0">
+              <a:solidFill>
+                <a:schemeClr val="bg1"/>
+              </a:solidFill>
+            </a:endParaRPr>
+          </a:p>
+        </p:txBody>
+      </p:sp>
+      <p:sp>
+        <p:nvSpPr>
+          <p:cNvPr id="10" name="Rectangle 11"/>
+          <p:cNvSpPr/>
+          <p:nvPr/>
+        </p:nvSpPr>
+        <p:spPr>
           <a:xfrm flipH="1">
-            <a:off x="6935076" y="2209800"/>
-            <a:ext cx="683251" cy="240345"/>
+            <a:off x="6535650" y="2212623"/>
+            <a:ext cx="1093635" cy="346760"/>
           </a:xfrm>
           <a:prstGeom prst="rect">
             <a:avLst/>
@@ -3603,25 +3893,22 @@
           <a:p>
             <a:pPr algn="ctr"/>
             <a:r>
-              <a:rPr lang="en-US" sz="800" b="1" dirty="0" smtClean="0">
+              <a:rPr lang="en-US" sz="1050" b="1" dirty="0" err="1" smtClean="0">
                 <a:solidFill>
                   <a:srgbClr val="0070C0"/>
                 </a:solidFill>
               </a:rPr>
-              <a:t>Delete</a:t>
-            </a:r>
-          </a:p>
-          <a:p>
-            <a:pPr algn="ctr"/>
-            <a:r>
-              <a:rPr lang="en-US" sz="800" b="1" dirty="0" smtClean="0">
+              <a:t>Edit</a:t>
+            </a:r>
+            <a:r>
+              <a:rPr lang="en-US" sz="1050" b="1" dirty="0" err="1" smtClean="0">
                 <a:solidFill>
                   <a:srgbClr val="0070C0"/>
                 </a:solidFill>
               </a:rPr>
               <a:t>Command</a:t>
             </a:r>
-            <a:endParaRPr lang="en-SG" sz="800" b="1" dirty="0">
+            <a:endParaRPr lang="en-SG" sz="1050" b="1" dirty="0">
               <a:solidFill>
                 <a:srgbClr val="0070C0"/>
               </a:solidFill>
@@ -3631,219 +3918,13 @@
       </p:sp>
       <p:sp>
         <p:nvSpPr>
-          <p:cNvPr id="5" name="Rectangle 62"/>
+          <p:cNvPr id="11" name="Rectangle 10"/>
           <p:cNvSpPr/>
           <p:nvPr/>
         </p:nvSpPr>
         <p:spPr>
-          <a:xfrm>
-            <a:off x="1782495" y="3583530"/>
-            <a:ext cx="1093635" cy="346760"/>
-          </a:xfrm>
-          <a:prstGeom prst="rect">
-            <a:avLst/>
-          </a:prstGeom>
-          <a:solidFill>
-            <a:srgbClr val="0070C0"/>
-          </a:solidFill>
-          <a:ln w="19050">
-            <a:solidFill>
-              <a:srgbClr val="0070C0"/>
-            </a:solidFill>
-          </a:ln>
-          <a:effectLst/>
-        </p:spPr>
-        <p:style>
-          <a:lnRef idx="1">
-            <a:schemeClr val="accent2"/>
-          </a:lnRef>
-          <a:fillRef idx="2">
-            <a:schemeClr val="accent2"/>
-          </a:fillRef>
-          <a:effectRef idx="1">
-            <a:schemeClr val="accent2"/>
-          </a:effectRef>
-          <a:fontRef idx="minor">
-            <a:schemeClr val="dk1"/>
-          </a:fontRef>
-        </p:style>
-        <p:txBody>
-          <a:bodyPr rtlCol="0" anchor="ctr"/>
-          <a:lstStyle/>
-          <a:p>
-            <a:pPr algn="ctr"/>
-            <a:r>
-              <a:rPr lang="en-US" sz="1050" dirty="0" err="1">
-                <a:solidFill>
-                  <a:schemeClr val="bg1"/>
-                </a:solidFill>
-              </a:rPr>
-              <a:t>LogicManager</a:t>
-            </a:r>
-            <a:endParaRPr lang="en-SG" sz="1050" dirty="0">
-              <a:solidFill>
-                <a:schemeClr val="bg1"/>
-              </a:solidFill>
-            </a:endParaRPr>
-          </a:p>
-        </p:txBody>
-      </p:sp>
-      <p:cxnSp>
-        <p:nvCxnSpPr>
-          <p:cNvPr id="6" name="Elbow Connector 63"/>
-          <p:cNvCxnSpPr>
-            <a:stCxn id="12" idx="3"/>
-            <a:endCxn id="3" idx="3"/>
-          </p:cNvCxnSpPr>
-          <p:nvPr/>
-        </p:nvCxnSpPr>
-        <p:spPr>
-          <a:xfrm flipH="1" flipV="1">
-            <a:off x="3189583" y="1426447"/>
-            <a:ext cx="5020699" cy="2895973"/>
-          </a:xfrm>
-          <a:prstGeom prst="bentConnector3">
-            <a:avLst>
-              <a:gd name="adj1" fmla="val -2713"/>
-            </a:avLst>
-          </a:prstGeom>
-          <a:ln w="19050">
-            <a:solidFill>
-              <a:srgbClr val="0070C0"/>
-            </a:solidFill>
-            <a:prstDash val="sysDot"/>
-            <a:headEnd type="none" w="med" len="med"/>
-            <a:tailEnd type="arrow" w="med" len="med"/>
-          </a:ln>
-          <a:effectLst/>
-        </p:spPr>
-        <p:style>
-          <a:lnRef idx="1">
-            <a:schemeClr val="accent2"/>
-          </a:lnRef>
-          <a:fillRef idx="2">
-            <a:schemeClr val="accent2"/>
-          </a:fillRef>
-          <a:effectRef idx="1">
-            <a:schemeClr val="accent2"/>
-          </a:effectRef>
-          <a:fontRef idx="minor">
-            <a:schemeClr val="dk1"/>
-          </a:fontRef>
-        </p:style>
-      </p:cxnSp>
-      <p:cxnSp>
-        <p:nvCxnSpPr>
-          <p:cNvPr id="8" name="Elbow Connector 122"/>
-          <p:cNvCxnSpPr>
-            <a:endCxn id="3" idx="1"/>
-          </p:cNvCxnSpPr>
-          <p:nvPr/>
-        </p:nvCxnSpPr>
-        <p:spPr>
-          <a:xfrm>
-            <a:off x="1676400" y="1423587"/>
-            <a:ext cx="419548" cy="2860"/>
-          </a:xfrm>
-          <a:prstGeom prst="bentConnector3">
-            <a:avLst>
-              <a:gd name="adj1" fmla="val 50000"/>
-            </a:avLst>
-          </a:prstGeom>
-          <a:ln w="19050">
-            <a:solidFill>
-              <a:srgbClr val="0070C0"/>
-            </a:solidFill>
-            <a:prstDash val="sysDot"/>
-            <a:headEnd type="none" w="med" len="med"/>
-            <a:tailEnd type="arrow" w="med" len="med"/>
-          </a:ln>
-          <a:effectLst/>
-        </p:spPr>
-        <p:style>
-          <a:lnRef idx="1">
-            <a:schemeClr val="accent2"/>
-          </a:lnRef>
-          <a:fillRef idx="2">
-            <a:schemeClr val="accent2"/>
-          </a:fillRef>
-          <a:effectRef idx="1">
-            <a:schemeClr val="accent2"/>
-          </a:effectRef>
-          <a:fontRef idx="minor">
-            <a:schemeClr val="dk1"/>
-          </a:fontRef>
-        </p:style>
-      </p:cxnSp>
-      <p:sp>
-        <p:nvSpPr>
-          <p:cNvPr id="9" name="Rectangle 65"/>
-          <p:cNvSpPr/>
-          <p:nvPr/>
-        </p:nvSpPr>
-        <p:spPr>
-          <a:xfrm>
-            <a:off x="1103085" y="4777355"/>
-            <a:ext cx="7431315" cy="328045"/>
-          </a:xfrm>
-          <a:prstGeom prst="roundRect">
-            <a:avLst/>
-          </a:prstGeom>
-          <a:solidFill>
-            <a:schemeClr val="accent4">
-              <a:lumMod val="20000"/>
-              <a:lumOff val="80000"/>
-            </a:schemeClr>
-          </a:solidFill>
-          <a:ln w="19050">
-            <a:noFill/>
-          </a:ln>
-          <a:effectLst/>
-        </p:spPr>
-        <p:style>
-          <a:lnRef idx="1">
-            <a:schemeClr val="accent2"/>
-          </a:lnRef>
-          <a:fillRef idx="2">
-            <a:schemeClr val="accent2"/>
-          </a:fillRef>
-          <a:effectRef idx="1">
-            <a:schemeClr val="accent2"/>
-          </a:effectRef>
-          <a:fontRef idx="minor">
-            <a:schemeClr val="dk1"/>
-          </a:fontRef>
-        </p:style>
-        <p:txBody>
-          <a:bodyPr rtlCol="0" anchor="ctr"/>
-          <a:lstStyle/>
-          <a:p>
-            <a:pPr algn="ctr"/>
-            <a:r>
-              <a:rPr lang="en-US" sz="1100" b="1" dirty="0">
-                <a:solidFill>
-                  <a:schemeClr val="bg1"/>
-                </a:solidFill>
-              </a:rPr>
-              <a:t>Model</a:t>
-            </a:r>
-            <a:endParaRPr lang="en-SG" sz="1100" b="1" dirty="0">
-              <a:solidFill>
-                <a:schemeClr val="bg1"/>
-              </a:solidFill>
-            </a:endParaRPr>
-          </a:p>
-        </p:txBody>
-      </p:sp>
-      <p:sp>
-        <p:nvSpPr>
-          <p:cNvPr id="10" name="Rectangle 11"/>
-          <p:cNvSpPr/>
-          <p:nvPr/>
-        </p:nvSpPr>
-        <p:spPr>
           <a:xfrm flipH="1">
-            <a:off x="6526365" y="2554920"/>
+            <a:off x="6535650" y="3612981"/>
             <a:ext cx="1093635" cy="346760"/>
           </a:xfrm>
           <a:prstGeom prst="rect">
@@ -3876,12 +3957,27 @@
           <a:p>
             <a:pPr algn="ctr"/>
             <a:r>
-              <a:rPr lang="en-US" sz="1050" b="1" dirty="0" err="1" smtClean="0">
+              <a:rPr lang="en-US" sz="1050" b="1" dirty="0">
                 <a:solidFill>
                   <a:srgbClr val="0070C0"/>
                 </a:solidFill>
               </a:rPr>
-              <a:t>AddCommand</a:t>
+              <a:t>Incorrect</a:t>
+            </a:r>
+            <a:br>
+              <a:rPr lang="en-US" sz="1050" b="1" dirty="0">
+                <a:solidFill>
+                  <a:srgbClr val="0070C0"/>
+                </a:solidFill>
+              </a:rPr>
+            </a:br>
+            <a:r>
+              <a:rPr lang="en-US" sz="1050" b="1" dirty="0">
+                <a:solidFill>
+                  <a:srgbClr val="0070C0"/>
+                </a:solidFill>
+              </a:rPr>
+              <a:t>Command</a:t>
             </a:r>
             <a:endParaRPr lang="en-SG" sz="1050" b="1" dirty="0">
               <a:solidFill>
@@ -3893,14 +3989,14 @@
       </p:sp>
       <p:sp>
         <p:nvSpPr>
-          <p:cNvPr id="11" name="Rectangle 10"/>
+          <p:cNvPr id="12" name="Rectangle 62"/>
           <p:cNvSpPr/>
           <p:nvPr/>
         </p:nvSpPr>
         <p:spPr>
-          <a:xfrm flipH="1">
-            <a:off x="6535650" y="3740029"/>
-            <a:ext cx="1093635" cy="346760"/>
+          <a:xfrm>
+            <a:off x="7438239" y="4377640"/>
+            <a:ext cx="772043" cy="346760"/>
           </a:xfrm>
           <a:prstGeom prst="rect">
             <a:avLst/>
@@ -3937,77 +4033,6 @@
                   <a:srgbClr val="0070C0"/>
                 </a:solidFill>
               </a:rPr>
-              <a:t>Incorrect</a:t>
-            </a:r>
-            <a:br>
-              <a:rPr lang="en-US" sz="1050" b="1" dirty="0">
-                <a:solidFill>
-                  <a:srgbClr val="0070C0"/>
-                </a:solidFill>
-              </a:rPr>
-            </a:br>
-            <a:r>
-              <a:rPr lang="en-US" sz="1050" b="1" dirty="0">
-                <a:solidFill>
-                  <a:srgbClr val="0070C0"/>
-                </a:solidFill>
-              </a:rPr>
-              <a:t>Command</a:t>
-            </a:r>
-            <a:endParaRPr lang="en-SG" sz="1050" b="1" dirty="0">
-              <a:solidFill>
-                <a:srgbClr val="0070C0"/>
-              </a:solidFill>
-            </a:endParaRPr>
-          </a:p>
-        </p:txBody>
-      </p:sp>
-      <p:sp>
-        <p:nvSpPr>
-          <p:cNvPr id="12" name="Rectangle 62"/>
-          <p:cNvSpPr/>
-          <p:nvPr/>
-        </p:nvSpPr>
-        <p:spPr>
-          <a:xfrm>
-            <a:off x="7438239" y="4149040"/>
-            <a:ext cx="772043" cy="346760"/>
-          </a:xfrm>
-          <a:prstGeom prst="rect">
-            <a:avLst/>
-          </a:prstGeom>
-          <a:ln w="19050">
-            <a:solidFill>
-              <a:srgbClr val="0070C0"/>
-            </a:solidFill>
-          </a:ln>
-          <a:effectLst/>
-        </p:spPr>
-        <p:style>
-          <a:lnRef idx="1">
-            <a:schemeClr val="accent1"/>
-          </a:lnRef>
-          <a:fillRef idx="2">
-            <a:schemeClr val="accent1"/>
-          </a:fillRef>
-          <a:effectRef idx="1">
-            <a:schemeClr val="accent1"/>
-          </a:effectRef>
-          <a:fontRef idx="minor">
-            <a:schemeClr val="dk1"/>
-          </a:fontRef>
-        </p:style>
-        <p:txBody>
-          <a:bodyPr rtlCol="0" anchor="ctr"/>
-          <a:lstStyle/>
-          <a:p>
-            <a:pPr algn="ctr"/>
-            <a:r>
-              <a:rPr lang="en-US" sz="1050" b="1" dirty="0">
-                <a:solidFill>
-                  <a:srgbClr val="0070C0"/>
-                </a:solidFill>
-              </a:rPr>
               <a:t>{abstract}</a:t>
             </a:r>
             <a:br>
@@ -4142,7 +4167,7 @@
         </p:nvCxnSpPr>
         <p:spPr>
           <a:xfrm>
-            <a:off x="7824261" y="4495800"/>
+            <a:off x="7824261" y="4724400"/>
             <a:ext cx="0" cy="281555"/>
           </a:xfrm>
           <a:prstGeom prst="straightConnector1">
@@ -4348,9 +4373,9 @@
           <p:nvPr/>
         </p:nvCxnSpPr>
         <p:spPr>
-          <a:xfrm>
-            <a:off x="2329313" y="3930290"/>
-            <a:ext cx="1376" cy="854841"/>
+          <a:xfrm flipH="1">
+            <a:off x="2319674" y="3930290"/>
+            <a:ext cx="9639" cy="1056577"/>
           </a:xfrm>
           <a:prstGeom prst="straightConnector1">
             <a:avLst/>
@@ -4432,12 +4457,12 @@
         </p:nvCxnSpPr>
         <p:spPr>
           <a:xfrm>
-            <a:off x="2743200" y="3939492"/>
-            <a:ext cx="4695039" cy="382928"/>
+            <a:off x="2536944" y="3940577"/>
+            <a:ext cx="4901295" cy="610443"/>
           </a:xfrm>
           <a:prstGeom prst="bentConnector3">
             <a:avLst>
-              <a:gd name="adj1" fmla="val -81"/>
+              <a:gd name="adj1" fmla="val 134"/>
             </a:avLst>
           </a:prstGeom>
           <a:ln w="19050">
@@ -4473,9 +4498,9 @@
         </p:nvGrpSpPr>
         <p:grpSpPr>
           <a:xfrm>
-            <a:off x="4597400" y="4341168"/>
+            <a:off x="4626411" y="4571234"/>
             <a:ext cx="889000" cy="230832"/>
-            <a:chOff x="2895600" y="807932"/>
+            <a:chOff x="2924611" y="1037998"/>
             <a:chExt cx="889000" cy="230832"/>
           </a:xfrm>
         </p:grpSpPr>
@@ -4487,7 +4512,7 @@
           </p:nvSpPr>
           <p:spPr>
             <a:xfrm>
-              <a:off x="2895600" y="807932"/>
+              <a:off x="2924611" y="1037998"/>
               <a:ext cx="728806" cy="230832"/>
             </a:xfrm>
             <a:prstGeom prst="rect">
@@ -4526,7 +4551,7 @@
           </p:nvSpPr>
           <p:spPr>
             <a:xfrm rot="5400000">
-              <a:off x="3683524" y="866776"/>
+              <a:off x="3712535" y="1096842"/>
               <a:ext cx="125951" cy="76201"/>
             </a:xfrm>
             <a:prstGeom prst="triangle">
@@ -4672,7 +4697,7 @@
         </p:nvSpPr>
         <p:spPr>
           <a:xfrm>
-            <a:off x="3272832" y="3766112"/>
+            <a:off x="3276600" y="3579168"/>
             <a:ext cx="131116" cy="230832"/>
           </a:xfrm>
           <a:prstGeom prst="rect">
@@ -4711,7 +4736,7 @@
         </p:nvSpPr>
         <p:spPr>
           <a:xfrm flipH="1">
-            <a:off x="6535650" y="3325585"/>
+            <a:off x="6535650" y="3131811"/>
             <a:ext cx="1093635" cy="346760"/>
           </a:xfrm>
           <a:prstGeom prst="rect">
@@ -4808,7 +4833,7 @@
         </p:nvSpPr>
         <p:spPr>
           <a:xfrm flipH="1">
-            <a:off x="4831294" y="2148937"/>
+            <a:off x="4830488" y="1686832"/>
             <a:ext cx="1093635" cy="346760"/>
           </a:xfrm>
           <a:prstGeom prst="rect">
@@ -4879,7 +4904,7 @@
         </p:nvSpPr>
         <p:spPr>
           <a:xfrm flipH="1">
-            <a:off x="4831294" y="2555337"/>
+            <a:off x="4830489" y="2205646"/>
             <a:ext cx="1093635" cy="346760"/>
           </a:xfrm>
           <a:prstGeom prst="rect">
@@ -4916,7 +4941,15 @@
                   <a:schemeClr val="bg1"/>
                 </a:solidFill>
               </a:rPr>
-              <a:t>AddCommand</a:t>
+              <a:t>Edit</a:t>
+            </a:r>
+            <a:r>
+              <a:rPr lang="en-US" sz="1050" b="1" dirty="0" err="1" smtClean="0">
+                <a:solidFill>
+                  <a:schemeClr val="bg1"/>
+                </a:solidFill>
+              </a:rPr>
+              <a:t>Command</a:t>
             </a:r>
             <a:endParaRPr lang="en-US" sz="1050" b="1" dirty="0">
               <a:solidFill>
@@ -4950,7 +4983,7 @@
         </p:nvSpPr>
         <p:spPr>
           <a:xfrm flipH="1">
-            <a:off x="4831292" y="2977582"/>
+            <a:off x="4831684" y="3131981"/>
             <a:ext cx="1093635" cy="346760"/>
           </a:xfrm>
           <a:prstGeom prst="rect">
@@ -5085,8 +5118,8 @@
         </p:nvSpPr>
         <p:spPr>
           <a:xfrm>
-            <a:off x="2238496" y="2454481"/>
-            <a:ext cx="726243" cy="174580"/>
+            <a:off x="2261851" y="2247316"/>
+            <a:ext cx="675830" cy="203134"/>
           </a:xfrm>
           <a:prstGeom prst="rect">
             <a:avLst/>
@@ -5150,9 +5183,9 @@
         </p:nvGrpSpPr>
         <p:grpSpPr>
           <a:xfrm rot="5400000">
-            <a:off x="6011469" y="1348440"/>
+            <a:off x="6094212" y="1340040"/>
             <a:ext cx="254462" cy="555486"/>
-            <a:chOff x="3706082" y="732721"/>
+            <a:chOff x="3697682" y="672883"/>
             <a:chExt cx="254462" cy="503902"/>
           </a:xfrm>
         </p:grpSpPr>
@@ -5164,7 +5197,7 @@
           </p:nvSpPr>
           <p:spPr>
             <a:xfrm rot="16200000">
-              <a:off x="3581362" y="857441"/>
+              <a:off x="3572962" y="797603"/>
               <a:ext cx="503902" cy="254462"/>
             </a:xfrm>
             <a:prstGeom prst="rect">
@@ -5206,7 +5239,7 @@
           </p:nvSpPr>
           <p:spPr>
             <a:xfrm rot="10800000" flipV="1">
-              <a:off x="3728327" y="758351"/>
+              <a:off x="3719927" y="698512"/>
               <a:ext cx="132157" cy="79956"/>
             </a:xfrm>
             <a:prstGeom prst="triangle">
@@ -5247,111 +5280,6 @@
           </p:txBody>
         </p:sp>
       </p:grpSp>
-      <p:grpSp>
-        <p:nvGrpSpPr>
-          <p:cNvPr id="164" name="Group 163"/>
-          <p:cNvGrpSpPr/>
-          <p:nvPr/>
-        </p:nvGrpSpPr>
-        <p:grpSpPr>
-          <a:xfrm rot="5400000">
-            <a:off x="6098740" y="2390577"/>
-            <a:ext cx="254462" cy="555486"/>
-            <a:chOff x="3965759" y="592436"/>
-            <a:chExt cx="254462" cy="503902"/>
-          </a:xfrm>
-        </p:grpSpPr>
-        <p:sp>
-          <p:nvSpPr>
-            <p:cNvPr id="165" name="TextBox 164"/>
-            <p:cNvSpPr txBox="1"/>
-            <p:nvPr/>
-          </p:nvSpPr>
-          <p:spPr>
-            <a:xfrm rot="16200000">
-              <a:off x="3841039" y="717156"/>
-              <a:ext cx="503902" cy="254462"/>
-            </a:xfrm>
-            <a:prstGeom prst="rect">
-              <a:avLst/>
-            </a:prstGeom>
-            <a:noFill/>
-          </p:spPr>
-          <p:txBody>
-            <a:bodyPr wrap="square" lIns="0" tIns="0" rIns="0" bIns="0" rtlCol="0">
-              <a:noAutofit/>
-            </a:bodyPr>
-            <a:lstStyle/>
-            <a:p>
-              <a:r>
-                <a:rPr lang="en-US" sz="1100" dirty="0">
-                  <a:solidFill>
-                    <a:schemeClr val="accent5">
-                      <a:lumMod val="75000"/>
-                    </a:schemeClr>
-                  </a:solidFill>
-                </a:rPr>
-                <a:t>creates</a:t>
-              </a:r>
-              <a:endParaRPr lang="en-SG" sz="1100" dirty="0">
-                <a:solidFill>
-                  <a:schemeClr val="accent5">
-                    <a:lumMod val="75000"/>
-                  </a:schemeClr>
-                </a:solidFill>
-              </a:endParaRPr>
-            </a:p>
-          </p:txBody>
-        </p:sp>
-        <p:sp>
-          <p:nvSpPr>
-            <p:cNvPr id="166" name="Isosceles Triangle 165"/>
-            <p:cNvSpPr/>
-            <p:nvPr/>
-          </p:nvSpPr>
-          <p:spPr>
-            <a:xfrm rot="10800000" flipV="1">
-              <a:off x="3995991" y="631624"/>
-              <a:ext cx="132157" cy="79956"/>
-            </a:xfrm>
-            <a:prstGeom prst="triangle">
-              <a:avLst/>
-            </a:prstGeom>
-            <a:solidFill>
-              <a:schemeClr val="accent5">
-                <a:lumMod val="75000"/>
-              </a:schemeClr>
-            </a:solidFill>
-            <a:ln>
-              <a:noFill/>
-            </a:ln>
-          </p:spPr>
-          <p:style>
-            <a:lnRef idx="2">
-              <a:schemeClr val="accent1">
-                <a:shade val="50000"/>
-              </a:schemeClr>
-            </a:lnRef>
-            <a:fillRef idx="1">
-              <a:schemeClr val="accent1"/>
-            </a:fillRef>
-            <a:effectRef idx="0">
-              <a:schemeClr val="accent1"/>
-            </a:effectRef>
-            <a:fontRef idx="minor">
-              <a:schemeClr val="lt1"/>
-            </a:fontRef>
-          </p:style>
-          <p:txBody>
-            <a:bodyPr rtlCol="0" anchor="ctr"/>
-            <a:lstStyle/>
-            <a:p>
-              <a:pPr algn="ctr"/>
-              <a:endParaRPr lang="en-SG"/>
-            </a:p>
-          </p:txBody>
-        </p:sp>
-      </p:grpSp>
       <p:sp>
         <p:nvSpPr>
           <p:cNvPr id="60" name="Rectangle 62"/>
@@ -5360,7 +5288,7 @@
         </p:nvSpPr>
         <p:spPr>
           <a:xfrm>
-            <a:off x="3182006" y="2861121"/>
+            <a:off x="3182006" y="2629411"/>
             <a:ext cx="731636" cy="283820"/>
           </a:xfrm>
           <a:prstGeom prst="rect">
@@ -5425,7 +5353,7 @@
         </p:nvSpPr>
         <p:spPr>
           <a:xfrm>
-            <a:off x="3172941" y="3217280"/>
+            <a:off x="3173750" y="2992780"/>
             <a:ext cx="731636" cy="283820"/>
           </a:xfrm>
           <a:prstGeom prst="rect">
@@ -5493,8 +5421,8 @@
         </p:nvCxnSpPr>
         <p:spPr>
           <a:xfrm flipH="1">
-            <a:off x="3913642" y="3003031"/>
-            <a:ext cx="335164" cy="0"/>
+            <a:off x="3913642" y="2768339"/>
+            <a:ext cx="345818" cy="2982"/>
           </a:xfrm>
           <a:prstGeom prst="straightConnector1">
             <a:avLst/>
@@ -5536,9 +5464,9 @@
           <p:nvPr/>
         </p:nvCxnSpPr>
         <p:spPr>
-          <a:xfrm flipH="1">
-            <a:off x="3904577" y="3358837"/>
-            <a:ext cx="335164" cy="353"/>
+          <a:xfrm flipH="1" flipV="1">
+            <a:off x="3905386" y="3134690"/>
+            <a:ext cx="381425" cy="6726"/>
           </a:xfrm>
           <a:prstGeom prst="straightConnector1">
             <a:avLst/>
@@ -5582,8 +5510,8 @@
         </p:nvCxnSpPr>
         <p:spPr>
           <a:xfrm rot="10800000">
-            <a:off x="2601618" y="2629061"/>
-            <a:ext cx="580388" cy="373970"/>
+            <a:off x="2599766" y="2450451"/>
+            <a:ext cx="582240" cy="320871"/>
           </a:xfrm>
           <a:prstGeom prst="bentConnector2">
             <a:avLst/>
@@ -5672,8 +5600,8 @@
         </p:nvCxnSpPr>
         <p:spPr>
           <a:xfrm rot="10800000" flipV="1">
-            <a:off x="2601619" y="1815457"/>
-            <a:ext cx="565237" cy="639024"/>
+            <a:off x="2599767" y="1815456"/>
+            <a:ext cx="567089" cy="431859"/>
           </a:xfrm>
           <a:prstGeom prst="bentConnector2">
             <a:avLst/>
@@ -5714,9 +5642,9 @@
         </p:nvGrpSpPr>
         <p:grpSpPr>
           <a:xfrm rot="5400000">
-            <a:off x="4346209" y="3538793"/>
+            <a:off x="4346095" y="3535062"/>
             <a:ext cx="555486" cy="254462"/>
-            <a:chOff x="3703306" y="644022"/>
+            <a:chOff x="3909542" y="644125"/>
             <a:chExt cx="555486" cy="230832"/>
           </a:xfrm>
         </p:grpSpPr>
@@ -5728,7 +5656,7 @@
           </p:nvSpPr>
           <p:spPr>
             <a:xfrm rot="10800000">
-              <a:off x="3703306" y="644022"/>
+              <a:off x="3909542" y="644125"/>
               <a:ext cx="555486" cy="230832"/>
             </a:xfrm>
             <a:prstGeom prst="rect">
@@ -5770,7 +5698,7 @@
           </p:nvSpPr>
           <p:spPr>
             <a:xfrm rot="5400000" flipV="1">
-              <a:off x="3700294" y="741689"/>
+              <a:off x="3906530" y="741792"/>
               <a:ext cx="119885" cy="88141"/>
             </a:xfrm>
             <a:prstGeom prst="triangle">
@@ -5822,8 +5750,8 @@
         </p:nvCxnSpPr>
         <p:spPr>
           <a:xfrm rot="16200000" flipV="1">
-            <a:off x="7486019" y="3642231"/>
-            <a:ext cx="481510" cy="194977"/>
+            <a:off x="7379673" y="3554803"/>
+            <a:ext cx="873936" cy="374711"/>
           </a:xfrm>
           <a:prstGeom prst="bentConnector2">
             <a:avLst/>
@@ -5856,7 +5784,7 @@
         </p:nvSpPr>
         <p:spPr>
           <a:xfrm flipV="1">
-            <a:off x="7689010" y="3980475"/>
+            <a:off x="7868744" y="4179127"/>
             <a:ext cx="270504" cy="175523"/>
           </a:xfrm>
           <a:prstGeom prst="triangle">
@@ -5913,8 +5841,8 @@
         </p:nvCxnSpPr>
         <p:spPr>
           <a:xfrm rot="16200000" flipV="1">
-            <a:off x="7693241" y="3849453"/>
-            <a:ext cx="67066" cy="194977"/>
+            <a:off x="7620258" y="3795388"/>
+            <a:ext cx="392766" cy="374711"/>
           </a:xfrm>
           <a:prstGeom prst="bentConnector2">
             <a:avLst/>
@@ -5950,8 +5878,8 @@
         </p:nvCxnSpPr>
         <p:spPr>
           <a:xfrm rot="16200000" flipV="1">
-            <a:off x="7096044" y="3252257"/>
-            <a:ext cx="1252175" cy="204262"/>
+            <a:off x="6920079" y="3095209"/>
+            <a:ext cx="1793124" cy="374711"/>
           </a:xfrm>
           <a:prstGeom prst="bentConnector2">
             <a:avLst/>
@@ -5981,17 +5909,19 @@
           <p:cNvPr id="96" name="Elbow Connector 95"/>
           <p:cNvCxnSpPr>
             <a:stCxn id="87" idx="3"/>
-            <a:endCxn id="4" idx="1"/>
+            <a:endCxn id="167" idx="2"/>
           </p:cNvCxnSpPr>
           <p:nvPr/>
         </p:nvCxnSpPr>
         <p:spPr>
-          <a:xfrm rot="16200000" flipV="1">
-            <a:off x="6896044" y="3052256"/>
-            <a:ext cx="1650502" cy="205935"/>
-          </a:xfrm>
-          <a:prstGeom prst="bentConnector2">
-            <a:avLst/>
+          <a:xfrm rot="5400000" flipH="1" flipV="1">
+            <a:off x="6889340" y="3063357"/>
+            <a:ext cx="2230427" cy="1114"/>
+          </a:xfrm>
+          <a:prstGeom prst="bentConnector3">
+            <a:avLst>
+              <a:gd name="adj1" fmla="val 50000"/>
+            </a:avLst>
           </a:prstGeom>
           <a:ln w="19050">
             <a:headEnd type="none" w="med" len="med"/>
@@ -6017,15 +5947,14 @@
         <p:nvCxnSpPr>
           <p:cNvPr id="110" name="Elbow Connector 63"/>
           <p:cNvCxnSpPr>
-            <a:stCxn id="16" idx="3"/>
             <a:endCxn id="45" idx="3"/>
           </p:cNvCxnSpPr>
           <p:nvPr/>
         </p:nvCxnSpPr>
         <p:spPr>
           <a:xfrm flipV="1">
-            <a:off x="4114800" y="3150962"/>
-            <a:ext cx="716492" cy="604313"/>
+            <a:off x="4487646" y="3305361"/>
+            <a:ext cx="365760" cy="2709"/>
           </a:xfrm>
           <a:prstGeom prst="bentConnector3">
             <a:avLst>
@@ -6063,15 +5992,14 @@
         <p:nvCxnSpPr>
           <p:cNvPr id="113" name="Elbow Connector 63"/>
           <p:cNvCxnSpPr>
-            <a:stCxn id="16" idx="3"/>
             <a:endCxn id="44" idx="3"/>
           </p:cNvCxnSpPr>
           <p:nvPr/>
         </p:nvCxnSpPr>
         <p:spPr>
           <a:xfrm flipV="1">
-            <a:off x="4114800" y="2728717"/>
-            <a:ext cx="716494" cy="1026558"/>
+            <a:off x="4471621" y="2379026"/>
+            <a:ext cx="358868" cy="6589"/>
           </a:xfrm>
           <a:prstGeom prst="bentConnector3">
             <a:avLst>
@@ -6108,16 +6036,13 @@
       <p:cxnSp>
         <p:nvCxnSpPr>
           <p:cNvPr id="116" name="Elbow Connector 63"/>
-          <p:cNvCxnSpPr>
-            <a:stCxn id="16" idx="3"/>
-            <a:endCxn id="42" idx="3"/>
-          </p:cNvCxnSpPr>
+          <p:cNvCxnSpPr/>
           <p:nvPr/>
         </p:nvCxnSpPr>
         <p:spPr>
           <a:xfrm flipV="1">
-            <a:off x="4114800" y="2322317"/>
-            <a:ext cx="716494" cy="1432958"/>
+            <a:off x="4101267" y="1845637"/>
+            <a:ext cx="716492" cy="1920240"/>
           </a:xfrm>
           <a:prstGeom prst="bentConnector3">
             <a:avLst>
@@ -6162,9 +6087,9 @@
           <p:nvPr/>
         </p:nvCxnSpPr>
         <p:spPr>
-          <a:xfrm flipV="1">
-            <a:off x="5924929" y="2728300"/>
-            <a:ext cx="601436" cy="417"/>
+          <a:xfrm>
+            <a:off x="5924124" y="2379026"/>
+            <a:ext cx="611526" cy="0"/>
           </a:xfrm>
           <a:prstGeom prst="bentConnector3">
             <a:avLst>
@@ -6210,8 +6135,8 @@
         </p:nvCxnSpPr>
         <p:spPr>
           <a:xfrm flipV="1">
-            <a:off x="5924929" y="1722038"/>
-            <a:ext cx="528373" cy="600279"/>
+            <a:off x="5924123" y="1722038"/>
+            <a:ext cx="529179" cy="138174"/>
           </a:xfrm>
           <a:prstGeom prst="bentConnector3">
             <a:avLst>
@@ -6254,9 +6179,9 @@
           <p:nvPr/>
         </p:nvCxnSpPr>
         <p:spPr>
-          <a:xfrm flipH="1">
-            <a:off x="4248488" y="1815457"/>
-            <a:ext cx="6554" cy="1523342"/>
+          <a:xfrm>
+            <a:off x="4275293" y="1722037"/>
+            <a:ext cx="13023" cy="1457012"/>
           </a:xfrm>
           <a:prstGeom prst="line">
             <a:avLst/>
@@ -6298,8 +6223,8 @@
         </p:nvCxnSpPr>
         <p:spPr>
           <a:xfrm>
-            <a:off x="4248488" y="2209800"/>
-            <a:ext cx="582002" cy="0"/>
+            <a:off x="4284338" y="2278973"/>
+            <a:ext cx="520534" cy="624"/>
           </a:xfrm>
           <a:prstGeom prst="line">
             <a:avLst/>
@@ -6341,7 +6266,7 @@
         </p:nvCxnSpPr>
         <p:spPr>
           <a:xfrm flipV="1">
-            <a:off x="4255042" y="2607245"/>
+            <a:off x="4263270" y="2683848"/>
             <a:ext cx="566976" cy="5974"/>
           </a:xfrm>
           <a:prstGeom prst="line">
@@ -6384,7 +6309,7 @@
         </p:nvCxnSpPr>
         <p:spPr>
           <a:xfrm>
-            <a:off x="4248487" y="3048000"/>
+            <a:off x="4272527" y="3179256"/>
             <a:ext cx="573531" cy="0"/>
           </a:xfrm>
           <a:prstGeom prst="line">
@@ -6425,7 +6350,7 @@
         </p:nvSpPr>
         <p:spPr>
           <a:xfrm>
-            <a:off x="3166713" y="2077527"/>
+            <a:off x="3165960" y="2163416"/>
             <a:ext cx="750156" cy="340758"/>
           </a:xfrm>
           <a:prstGeom prst="rect">
@@ -6504,8 +6429,8 @@
         </p:nvCxnSpPr>
         <p:spPr>
           <a:xfrm rot="10800000" flipV="1">
-            <a:off x="2964739" y="2247905"/>
-            <a:ext cx="201974" cy="293865"/>
+            <a:off x="2937682" y="2333795"/>
+            <a:ext cx="228279" cy="15088"/>
           </a:xfrm>
           <a:prstGeom prst="bentConnector3">
             <a:avLst>
@@ -6552,8 +6477,8 @@
         </p:nvCxnSpPr>
         <p:spPr>
           <a:xfrm rot="5400000">
-            <a:off x="3497755" y="2032873"/>
-            <a:ext cx="88690" cy="618"/>
+            <a:off x="3454435" y="2075441"/>
+            <a:ext cx="174579" cy="1371"/>
           </a:xfrm>
           <a:prstGeom prst="bentConnector3">
             <a:avLst>
@@ -6598,9 +6523,9 @@
           <p:nvPr/>
         </p:nvCxnSpPr>
         <p:spPr>
-          <a:xfrm flipV="1">
-            <a:off x="3916869" y="2243191"/>
-            <a:ext cx="322202" cy="4715"/>
+          <a:xfrm>
+            <a:off x="3916116" y="2333795"/>
+            <a:ext cx="356411" cy="811"/>
           </a:xfrm>
           <a:prstGeom prst="line">
             <a:avLst/>
@@ -6640,7 +6565,7 @@
         </p:nvSpPr>
         <p:spPr>
           <a:xfrm>
-            <a:off x="4994603" y="3854405"/>
+            <a:off x="4984717" y="4120056"/>
             <a:ext cx="805984" cy="346760"/>
           </a:xfrm>
           <a:prstGeom prst="rect">
@@ -6676,7 +6601,7 @@
           <a:p>
             <a:pPr algn="ctr"/>
             <a:r>
-              <a:rPr lang="en-US" sz="1050" smtClean="0">
+              <a:rPr lang="en-US" sz="1050" dirty="0" smtClean="0">
                 <a:solidFill>
                   <a:schemeClr val="bg1"/>
                 </a:solidFill>
@@ -6705,13 +6630,15 @@
       <p:cxnSp>
         <p:nvCxnSpPr>
           <p:cNvPr id="88" name="Straight Arrow Connector 57"/>
-          <p:cNvCxnSpPr/>
+          <p:cNvCxnSpPr>
+            <a:endCxn id="86" idx="1"/>
+          </p:cNvCxnSpPr>
           <p:nvPr/>
         </p:nvCxnSpPr>
         <p:spPr>
           <a:xfrm>
-            <a:off x="2884237" y="4065022"/>
-            <a:ext cx="2106577" cy="1130"/>
+            <a:off x="2796150" y="4293018"/>
+            <a:ext cx="2188567" cy="418"/>
           </a:xfrm>
           <a:prstGeom prst="straightConnector1">
             <a:avLst/>
@@ -6742,160 +6669,13 @@
       </p:cxnSp>
       <p:sp>
         <p:nvSpPr>
-          <p:cNvPr id="91" name="TextBox 90"/>
-          <p:cNvSpPr txBox="1"/>
-          <p:nvPr/>
-        </p:nvSpPr>
-        <p:spPr>
-          <a:xfrm>
-            <a:off x="2895600" y="3883968"/>
-            <a:ext cx="131116" cy="230832"/>
-          </a:xfrm>
-          <a:prstGeom prst="rect">
-            <a:avLst/>
-          </a:prstGeom>
-          <a:noFill/>
-        </p:spPr>
-        <p:txBody>
-          <a:bodyPr wrap="square" lIns="0" tIns="0" rIns="0" bIns="0" rtlCol="0">
-            <a:noAutofit/>
-          </a:bodyPr>
-          <a:lstStyle/>
-          <a:p>
-            <a:pPr algn="r"/>
-            <a:r>
-              <a:rPr lang="en-US" sz="1100" dirty="0">
-                <a:solidFill>
-                  <a:srgbClr val="0070C0"/>
-                </a:solidFill>
-              </a:rPr>
-              <a:t>1</a:t>
-            </a:r>
-            <a:endParaRPr lang="en-SG" sz="1100" dirty="0">
-              <a:solidFill>
-                <a:srgbClr val="0070C0"/>
-              </a:solidFill>
-            </a:endParaRPr>
-          </a:p>
-        </p:txBody>
-      </p:sp>
-      <p:sp>
-        <p:nvSpPr>
-          <p:cNvPr id="85" name="Rectangle 62"/>
-          <p:cNvSpPr/>
-          <p:nvPr/>
-        </p:nvSpPr>
-        <p:spPr>
-          <a:xfrm>
-            <a:off x="3185263" y="2503047"/>
-            <a:ext cx="731636" cy="283820"/>
-          </a:xfrm>
-          <a:prstGeom prst="rect">
-            <a:avLst/>
-          </a:prstGeom>
-          <a:solidFill>
-            <a:schemeClr val="accent5">
-              <a:lumMod val="60000"/>
-              <a:lumOff val="40000"/>
-            </a:schemeClr>
-          </a:solidFill>
-          <a:ln w="19050">
-            <a:solidFill>
-              <a:schemeClr val="accent5">
-                <a:lumMod val="60000"/>
-                <a:lumOff val="40000"/>
-              </a:schemeClr>
-            </a:solidFill>
-          </a:ln>
-          <a:effectLst/>
-        </p:spPr>
-        <p:style>
-          <a:lnRef idx="1">
-            <a:schemeClr val="accent2"/>
-          </a:lnRef>
-          <a:fillRef idx="2">
-            <a:schemeClr val="accent2"/>
-          </a:fillRef>
-          <a:effectRef idx="1">
-            <a:schemeClr val="accent2"/>
-          </a:effectRef>
-          <a:fontRef idx="minor">
-            <a:schemeClr val="dk1"/>
-          </a:fontRef>
-        </p:style>
-        <p:txBody>
-          <a:bodyPr rtlCol="0" anchor="ctr"/>
-          <a:lstStyle/>
-          <a:p>
-            <a:pPr algn="ctr"/>
-            <a:r>
-              <a:rPr lang="en-SG" sz="1050" dirty="0" err="1" smtClean="0">
-                <a:solidFill>
-                  <a:schemeClr val="bg1"/>
-                </a:solidFill>
-              </a:rPr>
-              <a:t>DateUtil</a:t>
-            </a:r>
-            <a:endParaRPr lang="en-SG" sz="1050" dirty="0">
-              <a:solidFill>
-                <a:schemeClr val="bg1"/>
-              </a:solidFill>
-            </a:endParaRPr>
-          </a:p>
-        </p:txBody>
-      </p:sp>
-      <p:cxnSp>
-        <p:nvCxnSpPr>
-          <p:cNvPr id="89" name="Straight Connector 88"/>
-          <p:cNvCxnSpPr>
-            <a:cxnSpLocks/>
-          </p:cNvCxnSpPr>
-          <p:nvPr/>
-        </p:nvCxnSpPr>
-        <p:spPr>
-          <a:xfrm flipV="1">
-            <a:off x="3920156" y="2611486"/>
-            <a:ext cx="322202" cy="4715"/>
-          </a:xfrm>
-          <a:prstGeom prst="line">
-            <a:avLst/>
-          </a:prstGeom>
-          <a:ln w="19050">
-            <a:solidFill>
-              <a:schemeClr val="accent5">
-                <a:lumMod val="50000"/>
-              </a:schemeClr>
-            </a:solidFill>
-            <a:prstDash val="sysDot"/>
-            <a:headEnd type="arrow" w="med" len="med"/>
-            <a:tailEnd type="none" w="med" len="med"/>
-          </a:ln>
-          <a:effectLst/>
-        </p:spPr>
-        <p:style>
-          <a:lnRef idx="1">
-            <a:schemeClr val="accent2"/>
-          </a:lnRef>
-          <a:fillRef idx="2">
-            <a:schemeClr val="accent2"/>
-          </a:fillRef>
-          <a:effectRef idx="1">
-            <a:schemeClr val="accent2"/>
-          </a:effectRef>
-          <a:fontRef idx="minor">
-            <a:schemeClr val="dk1"/>
-          </a:fontRef>
-        </p:style>
-      </p:cxnSp>
-      <p:sp>
-        <p:nvSpPr>
           <p:cNvPr id="95" name="Rectangle 11"/>
           <p:cNvSpPr/>
           <p:nvPr/>
         </p:nvSpPr>
         <p:spPr>
           <a:xfrm flipH="1">
-            <a:off x="6453302" y="1897181"/>
+            <a:off x="6461932" y="1880866"/>
             <a:ext cx="785697" cy="240345"/>
           </a:xfrm>
           <a:prstGeom prst="rect">
@@ -7037,13 +6817,14 @@
           <p:cNvCxnSpPr>
             <a:cxnSpLocks/>
             <a:stCxn id="42" idx="1"/>
+            <a:endCxn id="95" idx="3"/>
           </p:cNvCxnSpPr>
           <p:nvPr/>
         </p:nvCxnSpPr>
         <p:spPr>
-          <a:xfrm flipV="1">
-            <a:off x="5924929" y="2033182"/>
-            <a:ext cx="511881" cy="289135"/>
+          <a:xfrm>
+            <a:off x="5924123" y="1860212"/>
+            <a:ext cx="537809" cy="140827"/>
           </a:xfrm>
           <a:prstGeom prst="bentConnector3">
             <a:avLst>
@@ -7087,12 +6868,14 @@
           <p:nvPr/>
         </p:nvCxnSpPr>
         <p:spPr>
-          <a:xfrm rot="16200000" flipV="1">
-            <a:off x="7197970" y="1763066"/>
-            <a:ext cx="306514" cy="224457"/>
-          </a:xfrm>
-          <a:prstGeom prst="bentConnector2">
-            <a:avLst/>
+          <a:xfrm rot="10800000">
+            <a:off x="7238999" y="1722038"/>
+            <a:ext cx="209151" cy="80682"/>
+          </a:xfrm>
+          <a:prstGeom prst="bentConnector3">
+            <a:avLst>
+              <a:gd name="adj1" fmla="val 54086"/>
+            </a:avLst>
           </a:prstGeom>
           <a:ln w="19050">
             <a:headEnd type="none" w="med" len="med"/>
@@ -7121,8 +6904,8 @@
           <p:nvPr/>
         </p:nvSpPr>
         <p:spPr>
-          <a:xfrm flipV="1">
-            <a:off x="7328203" y="2028552"/>
+          <a:xfrm rot="16200000" flipV="1">
+            <a:off x="7400658" y="1714958"/>
             <a:ext cx="270504" cy="175523"/>
           </a:xfrm>
           <a:prstGeom prst="triangle">
@@ -7171,13 +6954,15 @@
       <p:cxnSp>
         <p:nvCxnSpPr>
           <p:cNvPr id="117" name="Elbow Connector 116"/>
-          <p:cNvCxnSpPr/>
+          <p:cNvCxnSpPr>
+            <a:stCxn id="114" idx="3"/>
+          </p:cNvCxnSpPr>
           <p:nvPr/>
         </p:nvCxnSpPr>
         <p:spPr>
           <a:xfrm rot="10800000" flipV="1">
-            <a:off x="7249098" y="1972466"/>
-            <a:ext cx="207370" cy="535"/>
+            <a:off x="7213915" y="1802719"/>
+            <a:ext cx="234234" cy="212407"/>
           </a:xfrm>
           <a:prstGeom prst="bentConnector3">
             <a:avLst>
@@ -7212,8 +6997,8 @@
         </p:nvCxnSpPr>
         <p:spPr>
           <a:xfrm rot="16200000" flipV="1">
-            <a:off x="2787312" y="3977905"/>
-            <a:ext cx="193287" cy="187"/>
+            <a:off x="2602404" y="4105064"/>
+            <a:ext cx="391746" cy="330"/>
           </a:xfrm>
           <a:prstGeom prst="bentConnector3">
             <a:avLst>
@@ -7250,8 +7035,8 @@
         </p:nvCxnSpPr>
         <p:spPr>
           <a:xfrm rot="5400000">
-            <a:off x="5552429" y="3357504"/>
-            <a:ext cx="918439" cy="422122"/>
+            <a:off x="5173031" y="3100555"/>
+            <a:ext cx="1810551" cy="575210"/>
           </a:xfrm>
           <a:prstGeom prst="bentConnector2">
             <a:avLst/>
@@ -7291,7 +7076,7 @@
         </p:nvGrpSpPr>
         <p:grpSpPr>
           <a:xfrm rot="16200000">
-            <a:off x="5982725" y="3568173"/>
+            <a:off x="5983079" y="3396984"/>
             <a:ext cx="555486" cy="254462"/>
             <a:chOff x="3577578" y="644022"/>
             <a:chExt cx="555486" cy="230832"/>
@@ -7397,9 +7182,9 @@
           <p:nvPr/>
         </p:nvCxnSpPr>
         <p:spPr>
-          <a:xfrm>
-            <a:off x="6223405" y="3084834"/>
-            <a:ext cx="280309" cy="5120"/>
+          <a:xfrm flipV="1">
+            <a:off x="6373489" y="2936109"/>
+            <a:ext cx="182880" cy="0"/>
           </a:xfrm>
           <a:prstGeom prst="line">
             <a:avLst/>
@@ -7439,7 +7224,7 @@
         </p:nvSpPr>
         <p:spPr>
           <a:xfrm flipH="1">
-            <a:off x="6535650" y="2932077"/>
+            <a:off x="6544372" y="2668089"/>
             <a:ext cx="1093635" cy="346760"/>
           </a:xfrm>
           <a:prstGeom prst="rect">
@@ -7477,7 +7262,15 @@
                   <a:srgbClr val="0070C0"/>
                 </a:solidFill>
               </a:rPr>
-              <a:t>EditCommand</a:t>
+              <a:t>Add</a:t>
+            </a:r>
+            <a:r>
+              <a:rPr lang="en-US" sz="1050" b="1" dirty="0" err="1" smtClean="0">
+                <a:solidFill>
+                  <a:srgbClr val="0070C0"/>
+                </a:solidFill>
+              </a:rPr>
+              <a:t>Command</a:t>
             </a:r>
             <a:endParaRPr lang="en-SG" sz="1050" b="1" dirty="0">
               <a:solidFill>
@@ -7494,13 +7287,13 @@
           <p:nvPr/>
         </p:nvCxnSpPr>
         <p:spPr>
-          <a:xfrm rot="10800000" flipV="1">
-            <a:off x="7621014" y="3089954"/>
-            <a:ext cx="203246" cy="10378"/>
+          <a:xfrm rot="16200000" flipV="1">
+            <a:off x="7263306" y="3185499"/>
+            <a:ext cx="1078791" cy="382980"/>
           </a:xfrm>
           <a:prstGeom prst="bentConnector3">
             <a:avLst>
-              <a:gd name="adj1" fmla="val 50000"/>
+              <a:gd name="adj1" fmla="val 99906"/>
             </a:avLst>
           </a:prstGeom>
           <a:ln w="19050">
@@ -7520,6 +7313,1085 @@
           </a:effectRef>
           <a:fontRef idx="minor">
             <a:schemeClr val="tx1"/>
+          </a:fontRef>
+        </p:style>
+      </p:cxnSp>
+      <p:sp>
+        <p:nvSpPr>
+          <p:cNvPr id="124" name="TextBox 123"/>
+          <p:cNvSpPr txBox="1"/>
+          <p:nvPr/>
+        </p:nvSpPr>
+        <p:spPr>
+          <a:xfrm>
+            <a:off x="4731804" y="4086789"/>
+            <a:ext cx="131116" cy="230832"/>
+          </a:xfrm>
+          <a:prstGeom prst="rect">
+            <a:avLst/>
+          </a:prstGeom>
+          <a:noFill/>
+        </p:spPr>
+        <p:txBody>
+          <a:bodyPr wrap="square" lIns="0" tIns="0" rIns="0" bIns="0" rtlCol="0">
+            <a:noAutofit/>
+          </a:bodyPr>
+          <a:lstStyle/>
+          <a:p>
+            <a:pPr algn="r"/>
+            <a:r>
+              <a:rPr lang="en-US" sz="1100" dirty="0">
+                <a:solidFill>
+                  <a:srgbClr val="0070C0"/>
+                </a:solidFill>
+              </a:rPr>
+              <a:t>1</a:t>
+            </a:r>
+            <a:endParaRPr lang="en-SG" sz="1100" dirty="0">
+              <a:solidFill>
+                <a:srgbClr val="0070C0"/>
+              </a:solidFill>
+            </a:endParaRPr>
+          </a:p>
+        </p:txBody>
+      </p:sp>
+      <p:sp>
+        <p:nvSpPr>
+          <p:cNvPr id="126" name="Rectangle 62"/>
+          <p:cNvSpPr/>
+          <p:nvPr/>
+        </p:nvSpPr>
+        <p:spPr>
+          <a:xfrm>
+            <a:off x="2211370" y="2971871"/>
+            <a:ext cx="786095" cy="380929"/>
+          </a:xfrm>
+          <a:prstGeom prst="rect">
+            <a:avLst/>
+          </a:prstGeom>
+          <a:solidFill>
+            <a:schemeClr val="accent5">
+              <a:lumMod val="60000"/>
+              <a:lumOff val="40000"/>
+            </a:schemeClr>
+          </a:solidFill>
+          <a:ln w="19050">
+            <a:solidFill>
+              <a:schemeClr val="accent5">
+                <a:lumMod val="60000"/>
+                <a:lumOff val="40000"/>
+              </a:schemeClr>
+            </a:solidFill>
+          </a:ln>
+          <a:effectLst/>
+        </p:spPr>
+        <p:style>
+          <a:lnRef idx="1">
+            <a:schemeClr val="accent2"/>
+          </a:lnRef>
+          <a:fillRef idx="2">
+            <a:schemeClr val="accent2"/>
+          </a:fillRef>
+          <a:effectRef idx="1">
+            <a:schemeClr val="accent2"/>
+          </a:effectRef>
+          <a:fontRef idx="minor">
+            <a:schemeClr val="dk1"/>
+          </a:fontRef>
+        </p:style>
+        <p:txBody>
+          <a:bodyPr rtlCol="0" anchor="ctr"/>
+          <a:lstStyle/>
+          <a:p>
+            <a:pPr algn="ctr"/>
+            <a:r>
+              <a:rPr lang="en-US" sz="1050" dirty="0" err="1" smtClean="0">
+                <a:solidFill>
+                  <a:schemeClr val="bg1"/>
+                </a:solidFill>
+              </a:rPr>
+              <a:t>PrettyTime</a:t>
+            </a:r>
+            <a:endParaRPr lang="en-US" sz="1050" dirty="0" smtClean="0">
+              <a:solidFill>
+                <a:schemeClr val="bg1"/>
+              </a:solidFill>
+            </a:endParaRPr>
+          </a:p>
+          <a:p>
+            <a:pPr algn="ctr"/>
+            <a:r>
+              <a:rPr lang="en-US" sz="1050" dirty="0" smtClean="0">
+                <a:solidFill>
+                  <a:schemeClr val="bg1"/>
+                </a:solidFill>
+              </a:rPr>
+              <a:t>Parser</a:t>
+            </a:r>
+            <a:endParaRPr lang="en-SG" sz="1050" dirty="0">
+              <a:solidFill>
+                <a:schemeClr val="bg1"/>
+              </a:solidFill>
+            </a:endParaRPr>
+          </a:p>
+        </p:txBody>
+      </p:sp>
+      <p:cxnSp>
+        <p:nvCxnSpPr>
+          <p:cNvPr id="127" name="Elbow Connector 12"/>
+          <p:cNvCxnSpPr>
+            <a:cxnSpLocks/>
+            <a:endCxn id="126" idx="3"/>
+          </p:cNvCxnSpPr>
+          <p:nvPr/>
+        </p:nvCxnSpPr>
+        <p:spPr>
+          <a:xfrm rot="10800000">
+            <a:off x="2997466" y="3162336"/>
+            <a:ext cx="154511" cy="2416"/>
+          </a:xfrm>
+          <a:prstGeom prst="bentConnector3">
+            <a:avLst>
+              <a:gd name="adj1" fmla="val 50000"/>
+            </a:avLst>
+          </a:prstGeom>
+          <a:ln w="19050">
+            <a:solidFill>
+              <a:schemeClr val="accent5">
+                <a:lumMod val="60000"/>
+                <a:lumOff val="40000"/>
+              </a:schemeClr>
+            </a:solidFill>
+            <a:prstDash val="sysDot"/>
+            <a:headEnd type="none" w="med" len="med"/>
+            <a:tailEnd type="arrow" w="med" len="med"/>
+          </a:ln>
+          <a:effectLst/>
+        </p:spPr>
+        <p:style>
+          <a:lnRef idx="1">
+            <a:schemeClr val="accent2"/>
+          </a:lnRef>
+          <a:fillRef idx="2">
+            <a:schemeClr val="accent2"/>
+          </a:fillRef>
+          <a:effectRef idx="1">
+            <a:schemeClr val="accent2"/>
+          </a:effectRef>
+          <a:fontRef idx="minor">
+            <a:schemeClr val="dk1"/>
+          </a:fontRef>
+        </p:style>
+      </p:cxnSp>
+      <p:cxnSp>
+        <p:nvCxnSpPr>
+          <p:cNvPr id="148" name="Straight Connector 147"/>
+          <p:cNvCxnSpPr>
+            <a:cxnSpLocks/>
+          </p:cNvCxnSpPr>
+          <p:nvPr/>
+        </p:nvCxnSpPr>
+        <p:spPr>
+          <a:xfrm>
+            <a:off x="4297225" y="1732496"/>
+            <a:ext cx="520534" cy="0"/>
+          </a:xfrm>
+          <a:prstGeom prst="line">
+            <a:avLst/>
+          </a:prstGeom>
+          <a:ln w="19050">
+            <a:solidFill>
+              <a:schemeClr val="accent5">
+                <a:lumMod val="50000"/>
+              </a:schemeClr>
+            </a:solidFill>
+            <a:prstDash val="sysDot"/>
+            <a:headEnd type="none" w="med" len="med"/>
+            <a:tailEnd type="none" w="med" len="med"/>
+          </a:ln>
+          <a:effectLst/>
+        </p:spPr>
+        <p:style>
+          <a:lnRef idx="1">
+            <a:schemeClr val="accent2"/>
+          </a:lnRef>
+          <a:fillRef idx="2">
+            <a:schemeClr val="accent2"/>
+          </a:fillRef>
+          <a:effectRef idx="1">
+            <a:schemeClr val="accent2"/>
+          </a:effectRef>
+          <a:fontRef idx="minor">
+            <a:schemeClr val="dk1"/>
+          </a:fontRef>
+        </p:style>
+      </p:cxnSp>
+      <p:sp>
+        <p:nvSpPr>
+          <p:cNvPr id="152" name="Rectangle 11"/>
+          <p:cNvSpPr/>
+          <p:nvPr/>
+        </p:nvSpPr>
+        <p:spPr>
+          <a:xfrm flipH="1">
+            <a:off x="4837458" y="2647781"/>
+            <a:ext cx="1093635" cy="346760"/>
+          </a:xfrm>
+          <a:prstGeom prst="rect">
+            <a:avLst/>
+          </a:prstGeom>
+          <a:solidFill>
+            <a:schemeClr val="accent5"/>
+          </a:solidFill>
+          <a:ln/>
+          <a:effectLst/>
+        </p:spPr>
+        <p:style>
+          <a:lnRef idx="1">
+            <a:schemeClr val="accent5"/>
+          </a:lnRef>
+          <a:fillRef idx="2">
+            <a:schemeClr val="accent5"/>
+          </a:fillRef>
+          <a:effectRef idx="1">
+            <a:schemeClr val="accent5"/>
+          </a:effectRef>
+          <a:fontRef idx="minor">
+            <a:schemeClr val="dk1"/>
+          </a:fontRef>
+        </p:style>
+        <p:txBody>
+          <a:bodyPr rtlCol="0" anchor="ctr"/>
+          <a:lstStyle/>
+          <a:p>
+            <a:pPr algn="ctr"/>
+            <a:r>
+              <a:rPr lang="en-US" sz="1050" b="1" dirty="0" err="1" smtClean="0">
+                <a:solidFill>
+                  <a:schemeClr val="bg1"/>
+                </a:solidFill>
+              </a:rPr>
+              <a:t>Add</a:t>
+            </a:r>
+            <a:r>
+              <a:rPr lang="en-US" sz="1050" b="1" dirty="0" err="1" smtClean="0">
+                <a:solidFill>
+                  <a:schemeClr val="bg1"/>
+                </a:solidFill>
+              </a:rPr>
+              <a:t>Command</a:t>
+            </a:r>
+            <a:endParaRPr lang="en-US" sz="1050" b="1" dirty="0">
+              <a:solidFill>
+                <a:schemeClr val="bg1"/>
+              </a:solidFill>
+            </a:endParaRPr>
+          </a:p>
+          <a:p>
+            <a:pPr algn="ctr"/>
+            <a:r>
+              <a:rPr lang="en-US" sz="1050" b="1" dirty="0">
+                <a:solidFill>
+                  <a:schemeClr val="bg1"/>
+                </a:solidFill>
+              </a:rPr>
+              <a:t>Parser</a:t>
+            </a:r>
+            <a:endParaRPr lang="en-SG" sz="1050" b="1" dirty="0">
+              <a:solidFill>
+                <a:schemeClr val="bg1"/>
+              </a:solidFill>
+            </a:endParaRPr>
+          </a:p>
+        </p:txBody>
+      </p:sp>
+      <p:sp>
+        <p:nvSpPr>
+          <p:cNvPr id="167" name="Rectangle 11"/>
+          <p:cNvSpPr/>
+          <p:nvPr/>
+        </p:nvSpPr>
+        <p:spPr>
+          <a:xfrm flipH="1">
+            <a:off x="7611371" y="1601940"/>
+            <a:ext cx="787478" cy="346760"/>
+          </a:xfrm>
+          <a:prstGeom prst="rect">
+            <a:avLst/>
+          </a:prstGeom>
+          <a:ln w="19050">
+            <a:solidFill>
+              <a:srgbClr val="0070C0"/>
+            </a:solidFill>
+          </a:ln>
+          <a:effectLst/>
+        </p:spPr>
+        <p:style>
+          <a:lnRef idx="1">
+            <a:schemeClr val="accent1"/>
+          </a:lnRef>
+          <a:fillRef idx="2">
+            <a:schemeClr val="accent1"/>
+          </a:fillRef>
+          <a:effectRef idx="1">
+            <a:schemeClr val="accent1"/>
+          </a:effectRef>
+          <a:fontRef idx="minor">
+            <a:schemeClr val="dk1"/>
+          </a:fontRef>
+        </p:style>
+        <p:txBody>
+          <a:bodyPr rtlCol="0" anchor="ctr"/>
+          <a:lstStyle/>
+          <a:p>
+            <a:pPr algn="ctr"/>
+            <a:r>
+              <a:rPr lang="en-US" sz="1050" b="1" dirty="0" smtClean="0">
+                <a:solidFill>
+                  <a:srgbClr val="0070C0"/>
+                </a:solidFill>
+              </a:rPr>
+              <a:t>Delete</a:t>
+            </a:r>
+          </a:p>
+          <a:p>
+            <a:pPr algn="ctr"/>
+            <a:r>
+              <a:rPr lang="en-US" sz="1050" b="1" dirty="0" smtClean="0">
+                <a:solidFill>
+                  <a:srgbClr val="0070C0"/>
+                </a:solidFill>
+              </a:rPr>
+              <a:t>Command</a:t>
+            </a:r>
+            <a:endParaRPr lang="en-SG" sz="1050" b="1" dirty="0">
+              <a:solidFill>
+                <a:srgbClr val="0070C0"/>
+              </a:solidFill>
+            </a:endParaRPr>
+          </a:p>
+        </p:txBody>
+      </p:sp>
+      <p:sp>
+        <p:nvSpPr>
+          <p:cNvPr id="206" name="Rectangle 62"/>
+          <p:cNvSpPr/>
+          <p:nvPr/>
+        </p:nvSpPr>
+        <p:spPr>
+          <a:xfrm>
+            <a:off x="4992251" y="3689530"/>
+            <a:ext cx="805910" cy="296961"/>
+          </a:xfrm>
+          <a:prstGeom prst="rect">
+            <a:avLst/>
+          </a:prstGeom>
+          <a:solidFill>
+            <a:srgbClr val="0070C0"/>
+          </a:solidFill>
+          <a:ln w="19050">
+            <a:solidFill>
+              <a:srgbClr val="0070C0"/>
+            </a:solidFill>
+          </a:ln>
+          <a:effectLst/>
+        </p:spPr>
+        <p:style>
+          <a:lnRef idx="1">
+            <a:schemeClr val="accent2"/>
+          </a:lnRef>
+          <a:fillRef idx="2">
+            <a:schemeClr val="accent2"/>
+          </a:fillRef>
+          <a:effectRef idx="1">
+            <a:schemeClr val="accent2"/>
+          </a:effectRef>
+          <a:fontRef idx="minor">
+            <a:schemeClr val="dk1"/>
+          </a:fontRef>
+        </p:style>
+        <p:txBody>
+          <a:bodyPr rtlCol="0" anchor="ctr"/>
+          <a:lstStyle/>
+          <a:p>
+            <a:pPr algn="ctr"/>
+            <a:r>
+              <a:rPr lang="en-US" sz="1050" dirty="0" smtClean="0">
+                <a:solidFill>
+                  <a:schemeClr val="bg1"/>
+                </a:solidFill>
+              </a:rPr>
+              <a:t>Logic</a:t>
+            </a:r>
+          </a:p>
+          <a:p>
+            <a:pPr algn="ctr"/>
+            <a:r>
+              <a:rPr lang="en-US" sz="1050" dirty="0" err="1" smtClean="0">
+                <a:solidFill>
+                  <a:schemeClr val="bg1"/>
+                </a:solidFill>
+              </a:rPr>
+              <a:t>UserPrefs</a:t>
+            </a:r>
+            <a:endParaRPr lang="en-SG" sz="1050" dirty="0">
+              <a:solidFill>
+                <a:schemeClr val="bg1"/>
+              </a:solidFill>
+            </a:endParaRPr>
+          </a:p>
+        </p:txBody>
+      </p:sp>
+      <p:cxnSp>
+        <p:nvCxnSpPr>
+          <p:cNvPr id="128" name="Elbow Connector 63"/>
+          <p:cNvCxnSpPr/>
+          <p:nvPr/>
+        </p:nvCxnSpPr>
+        <p:spPr>
+          <a:xfrm>
+            <a:off x="4463146" y="2820399"/>
+            <a:ext cx="398414" cy="762"/>
+          </a:xfrm>
+          <a:prstGeom prst="bentConnector3">
+            <a:avLst>
+              <a:gd name="adj1" fmla="val 50000"/>
+            </a:avLst>
+          </a:prstGeom>
+          <a:ln w="19050">
+            <a:solidFill>
+              <a:schemeClr val="accent5">
+                <a:lumMod val="75000"/>
+              </a:schemeClr>
+            </a:solidFill>
+            <a:prstDash val="sysDot"/>
+            <a:headEnd type="none" w="med" len="med"/>
+            <a:tailEnd type="arrow" w="med" len="med"/>
+          </a:ln>
+          <a:effectLst/>
+        </p:spPr>
+        <p:style>
+          <a:lnRef idx="1">
+            <a:schemeClr val="accent2"/>
+          </a:lnRef>
+          <a:fillRef idx="2">
+            <a:schemeClr val="accent2"/>
+          </a:fillRef>
+          <a:effectRef idx="1">
+            <a:schemeClr val="accent2"/>
+          </a:effectRef>
+          <a:fontRef idx="minor">
+            <a:schemeClr val="dk1"/>
+          </a:fontRef>
+        </p:style>
+      </p:cxnSp>
+      <p:cxnSp>
+        <p:nvCxnSpPr>
+          <p:cNvPr id="129" name="Straight Arrow Connector 57"/>
+          <p:cNvCxnSpPr/>
+          <p:nvPr/>
+        </p:nvCxnSpPr>
+        <p:spPr>
+          <a:xfrm>
+            <a:off x="2783424" y="3984048"/>
+            <a:ext cx="2188567" cy="418"/>
+          </a:xfrm>
+          <a:prstGeom prst="straightConnector1">
+            <a:avLst/>
+          </a:prstGeom>
+          <a:ln w="19050">
+            <a:solidFill>
+              <a:srgbClr val="0070C0"/>
+            </a:solidFill>
+            <a:headEnd type="none" w="med" len="med"/>
+            <a:tailEnd type="arrow" w="med" len="med"/>
+          </a:ln>
+          <a:effectLst/>
+        </p:spPr>
+        <p:style>
+          <a:lnRef idx="1">
+            <a:schemeClr val="accent2"/>
+          </a:lnRef>
+          <a:fillRef idx="2">
+            <a:schemeClr val="accent2"/>
+          </a:fillRef>
+          <a:effectRef idx="1">
+            <a:schemeClr val="accent2"/>
+          </a:effectRef>
+          <a:fontRef idx="minor">
+            <a:schemeClr val="dk1"/>
+          </a:fontRef>
+        </p:style>
+      </p:cxnSp>
+      <p:sp>
+        <p:nvSpPr>
+          <p:cNvPr id="130" name="TextBox 129"/>
+          <p:cNvSpPr txBox="1"/>
+          <p:nvPr/>
+        </p:nvSpPr>
+        <p:spPr>
+          <a:xfrm>
+            <a:off x="4763887" y="3724908"/>
+            <a:ext cx="131116" cy="230832"/>
+          </a:xfrm>
+          <a:prstGeom prst="rect">
+            <a:avLst/>
+          </a:prstGeom>
+          <a:noFill/>
+        </p:spPr>
+        <p:txBody>
+          <a:bodyPr wrap="square" lIns="0" tIns="0" rIns="0" bIns="0" rtlCol="0">
+            <a:noAutofit/>
+          </a:bodyPr>
+          <a:lstStyle/>
+          <a:p>
+            <a:pPr algn="r"/>
+            <a:r>
+              <a:rPr lang="en-US" sz="1100" dirty="0">
+                <a:solidFill>
+                  <a:srgbClr val="0070C0"/>
+                </a:solidFill>
+              </a:rPr>
+              <a:t>1</a:t>
+            </a:r>
+            <a:endParaRPr lang="en-SG" sz="1100" dirty="0">
+              <a:solidFill>
+                <a:srgbClr val="0070C0"/>
+              </a:solidFill>
+            </a:endParaRPr>
+          </a:p>
+        </p:txBody>
+      </p:sp>
+      <p:cxnSp>
+        <p:nvCxnSpPr>
+          <p:cNvPr id="131" name="Elbow Connector 63"/>
+          <p:cNvCxnSpPr>
+            <a:cxnSpLocks/>
+            <a:endCxn id="119" idx="3"/>
+          </p:cNvCxnSpPr>
+          <p:nvPr/>
+        </p:nvCxnSpPr>
+        <p:spPr>
+          <a:xfrm>
+            <a:off x="5936136" y="2832505"/>
+            <a:ext cx="608236" cy="0"/>
+          </a:xfrm>
+          <a:prstGeom prst="bentConnector3">
+            <a:avLst>
+              <a:gd name="adj1" fmla="val 50000"/>
+            </a:avLst>
+          </a:prstGeom>
+          <a:ln w="19050">
+            <a:solidFill>
+              <a:schemeClr val="accent5">
+                <a:lumMod val="75000"/>
+              </a:schemeClr>
+            </a:solidFill>
+            <a:prstDash val="sysDot"/>
+            <a:headEnd type="none" w="med" len="med"/>
+            <a:tailEnd type="arrow" w="med" len="med"/>
+          </a:ln>
+          <a:effectLst/>
+        </p:spPr>
+        <p:style>
+          <a:lnRef idx="1">
+            <a:schemeClr val="accent2"/>
+          </a:lnRef>
+          <a:fillRef idx="2">
+            <a:schemeClr val="accent2"/>
+          </a:fillRef>
+          <a:effectRef idx="1">
+            <a:schemeClr val="accent2"/>
+          </a:effectRef>
+          <a:fontRef idx="minor">
+            <a:schemeClr val="dk1"/>
+          </a:fontRef>
+        </p:style>
+      </p:cxnSp>
+      <p:cxnSp>
+        <p:nvCxnSpPr>
+          <p:cNvPr id="140" name="Elbow Connector 63"/>
+          <p:cNvCxnSpPr/>
+          <p:nvPr/>
+        </p:nvCxnSpPr>
+        <p:spPr>
+          <a:xfrm rot="5400000">
+            <a:off x="5472047" y="3283108"/>
+            <a:ext cx="889639" cy="213268"/>
+          </a:xfrm>
+          <a:prstGeom prst="bentConnector3">
+            <a:avLst>
+              <a:gd name="adj1" fmla="val 99951"/>
+            </a:avLst>
+          </a:prstGeom>
+          <a:ln w="19050">
+            <a:solidFill>
+              <a:schemeClr val="accent5">
+                <a:lumMod val="75000"/>
+              </a:schemeClr>
+            </a:solidFill>
+            <a:prstDash val="sysDot"/>
+            <a:headEnd type="none" w="med" len="med"/>
+            <a:tailEnd type="arrow" w="med" len="med"/>
+          </a:ln>
+          <a:effectLst/>
+        </p:spPr>
+        <p:style>
+          <a:lnRef idx="1">
+            <a:schemeClr val="accent2"/>
+          </a:lnRef>
+          <a:fillRef idx="2">
+            <a:schemeClr val="accent2"/>
+          </a:fillRef>
+          <a:effectRef idx="1">
+            <a:schemeClr val="accent2"/>
+          </a:effectRef>
+          <a:fontRef idx="minor">
+            <a:schemeClr val="dk1"/>
+          </a:fontRef>
+        </p:style>
+      </p:cxnSp>
+      <p:grpSp>
+        <p:nvGrpSpPr>
+          <p:cNvPr id="143" name="Group 142"/>
+          <p:cNvGrpSpPr/>
+          <p:nvPr/>
+        </p:nvGrpSpPr>
+        <p:grpSpPr>
+          <a:xfrm rot="16200000">
+            <a:off x="5800626" y="3410080"/>
+            <a:ext cx="555486" cy="254462"/>
+            <a:chOff x="3577578" y="644022"/>
+            <a:chExt cx="555486" cy="230832"/>
+          </a:xfrm>
+        </p:grpSpPr>
+        <p:sp>
+          <p:nvSpPr>
+            <p:cNvPr id="144" name="TextBox 143"/>
+            <p:cNvSpPr txBox="1"/>
+            <p:nvPr/>
+          </p:nvSpPr>
+          <p:spPr>
+            <a:xfrm rot="10800000">
+              <a:off x="3577578" y="644022"/>
+              <a:ext cx="555486" cy="230832"/>
+            </a:xfrm>
+            <a:prstGeom prst="rect">
+              <a:avLst/>
+            </a:prstGeom>
+            <a:noFill/>
+          </p:spPr>
+          <p:txBody>
+            <a:bodyPr wrap="square" lIns="0" tIns="0" rIns="0" bIns="0" rtlCol="0">
+              <a:noAutofit/>
+            </a:bodyPr>
+            <a:lstStyle/>
+            <a:p>
+              <a:r>
+                <a:rPr lang="en-US" sz="1100" dirty="0" smtClean="0">
+                  <a:solidFill>
+                    <a:schemeClr val="accent5">
+                      <a:lumMod val="75000"/>
+                    </a:schemeClr>
+                  </a:solidFill>
+                </a:rPr>
+                <a:t>uses</a:t>
+              </a:r>
+              <a:endParaRPr lang="en-SG" sz="1100" dirty="0">
+                <a:solidFill>
+                  <a:schemeClr val="accent5">
+                    <a:lumMod val="75000"/>
+                  </a:schemeClr>
+                </a:solidFill>
+              </a:endParaRPr>
+            </a:p>
+          </p:txBody>
+        </p:sp>
+        <p:sp>
+          <p:nvSpPr>
+            <p:cNvPr id="145" name="Isosceles Triangle 144"/>
+            <p:cNvSpPr/>
+            <p:nvPr/>
+          </p:nvSpPr>
+          <p:spPr>
+            <a:xfrm rot="5400000" flipV="1">
+              <a:off x="3700294" y="741689"/>
+              <a:ext cx="119885" cy="88141"/>
+            </a:xfrm>
+            <a:prstGeom prst="triangle">
+              <a:avLst/>
+            </a:prstGeom>
+            <a:solidFill>
+              <a:schemeClr val="accent5">
+                <a:lumMod val="75000"/>
+              </a:schemeClr>
+            </a:solidFill>
+            <a:ln>
+              <a:noFill/>
+            </a:ln>
+          </p:spPr>
+          <p:style>
+            <a:lnRef idx="2">
+              <a:schemeClr val="accent1">
+                <a:shade val="50000"/>
+              </a:schemeClr>
+            </a:lnRef>
+            <a:fillRef idx="1">
+              <a:schemeClr val="accent1"/>
+            </a:fillRef>
+            <a:effectRef idx="0">
+              <a:schemeClr val="accent1"/>
+            </a:effectRef>
+            <a:fontRef idx="minor">
+              <a:schemeClr val="lt1"/>
+            </a:fontRef>
+          </p:style>
+          <p:txBody>
+            <a:bodyPr rtlCol="0" anchor="ctr"/>
+            <a:lstStyle/>
+            <a:p>
+              <a:pPr algn="ctr"/>
+              <a:endParaRPr lang="en-SG"/>
+            </a:p>
+          </p:txBody>
+        </p:sp>
+      </p:grpSp>
+      <p:cxnSp>
+        <p:nvCxnSpPr>
+          <p:cNvPr id="147" name="Straight Connector 146"/>
+          <p:cNvCxnSpPr>
+            <a:cxnSpLocks/>
+          </p:cNvCxnSpPr>
+          <p:nvPr/>
+        </p:nvCxnSpPr>
+        <p:spPr>
+          <a:xfrm>
+            <a:off x="5943700" y="2944921"/>
+            <a:ext cx="91440" cy="0"/>
+          </a:xfrm>
+          <a:prstGeom prst="line">
+            <a:avLst/>
+          </a:prstGeom>
+          <a:ln w="19050">
+            <a:solidFill>
+              <a:schemeClr val="accent5">
+                <a:lumMod val="50000"/>
+              </a:schemeClr>
+            </a:solidFill>
+            <a:prstDash val="sysDot"/>
+            <a:headEnd type="none" w="med" len="med"/>
+            <a:tailEnd type="none" w="med" len="med"/>
+          </a:ln>
+          <a:effectLst/>
+        </p:spPr>
+        <p:style>
+          <a:lnRef idx="1">
+            <a:schemeClr val="accent2"/>
+          </a:lnRef>
+          <a:fillRef idx="2">
+            <a:schemeClr val="accent2"/>
+          </a:fillRef>
+          <a:effectRef idx="1">
+            <a:schemeClr val="accent2"/>
+          </a:effectRef>
+          <a:fontRef idx="minor">
+            <a:schemeClr val="dk1"/>
+          </a:fontRef>
+        </p:style>
+      </p:cxnSp>
+      <p:cxnSp>
+        <p:nvCxnSpPr>
+          <p:cNvPr id="168" name="Straight Connector 167"/>
+          <p:cNvCxnSpPr>
+            <a:cxnSpLocks/>
+          </p:cNvCxnSpPr>
+          <p:nvPr/>
+        </p:nvCxnSpPr>
+        <p:spPr>
+          <a:xfrm>
+            <a:off x="6365912" y="2482884"/>
+            <a:ext cx="182880" cy="0"/>
+          </a:xfrm>
+          <a:prstGeom prst="line">
+            <a:avLst/>
+          </a:prstGeom>
+          <a:ln w="19050">
+            <a:solidFill>
+              <a:schemeClr val="accent5">
+                <a:lumMod val="50000"/>
+              </a:schemeClr>
+            </a:solidFill>
+            <a:prstDash val="sysDot"/>
+            <a:headEnd type="none" w="med" len="med"/>
+            <a:tailEnd type="none" w="med" len="med"/>
+          </a:ln>
+          <a:effectLst/>
+        </p:spPr>
+        <p:style>
+          <a:lnRef idx="1">
+            <a:schemeClr val="accent2"/>
+          </a:lnRef>
+          <a:fillRef idx="2">
+            <a:schemeClr val="accent2"/>
+          </a:fillRef>
+          <a:effectRef idx="1">
+            <a:schemeClr val="accent2"/>
+          </a:effectRef>
+          <a:fontRef idx="minor">
+            <a:schemeClr val="dk1"/>
+          </a:fontRef>
+        </p:style>
+      </p:cxnSp>
+      <p:grpSp>
+        <p:nvGrpSpPr>
+          <p:cNvPr id="204" name="Group 203"/>
+          <p:cNvGrpSpPr/>
+          <p:nvPr/>
+        </p:nvGrpSpPr>
+        <p:grpSpPr>
+          <a:xfrm rot="5400000">
+            <a:off x="6102656" y="2004765"/>
+            <a:ext cx="254462" cy="555486"/>
+            <a:chOff x="4253060" y="796495"/>
+            <a:chExt cx="254462" cy="503902"/>
+          </a:xfrm>
+        </p:grpSpPr>
+        <p:sp>
+          <p:nvSpPr>
+            <p:cNvPr id="207" name="TextBox 206"/>
+            <p:cNvSpPr txBox="1"/>
+            <p:nvPr/>
+          </p:nvSpPr>
+          <p:spPr>
+            <a:xfrm rot="16200000">
+              <a:off x="4128340" y="921215"/>
+              <a:ext cx="503902" cy="254462"/>
+            </a:xfrm>
+            <a:prstGeom prst="rect">
+              <a:avLst/>
+            </a:prstGeom>
+            <a:noFill/>
+          </p:spPr>
+          <p:txBody>
+            <a:bodyPr wrap="square" lIns="0" tIns="0" rIns="0" bIns="0" rtlCol="0">
+              <a:noAutofit/>
+            </a:bodyPr>
+            <a:lstStyle/>
+            <a:p>
+              <a:r>
+                <a:rPr lang="en-US" sz="1100" dirty="0">
+                  <a:solidFill>
+                    <a:schemeClr val="accent5">
+                      <a:lumMod val="75000"/>
+                    </a:schemeClr>
+                  </a:solidFill>
+                </a:rPr>
+                <a:t>creates</a:t>
+              </a:r>
+              <a:endParaRPr lang="en-SG" sz="1100" dirty="0">
+                <a:solidFill>
+                  <a:schemeClr val="accent5">
+                    <a:lumMod val="75000"/>
+                  </a:schemeClr>
+                </a:solidFill>
+              </a:endParaRPr>
+            </a:p>
+          </p:txBody>
+        </p:sp>
+        <p:sp>
+          <p:nvSpPr>
+            <p:cNvPr id="208" name="Isosceles Triangle 207"/>
+            <p:cNvSpPr/>
+            <p:nvPr/>
+          </p:nvSpPr>
+          <p:spPr>
+            <a:xfrm rot="10800000" flipV="1">
+              <a:off x="4275305" y="822124"/>
+              <a:ext cx="132157" cy="79956"/>
+            </a:xfrm>
+            <a:prstGeom prst="triangle">
+              <a:avLst/>
+            </a:prstGeom>
+            <a:solidFill>
+              <a:schemeClr val="accent5">
+                <a:lumMod val="75000"/>
+              </a:schemeClr>
+            </a:solidFill>
+            <a:ln>
+              <a:noFill/>
+            </a:ln>
+          </p:spPr>
+          <p:style>
+            <a:lnRef idx="2">
+              <a:schemeClr val="accent1">
+                <a:shade val="50000"/>
+              </a:schemeClr>
+            </a:lnRef>
+            <a:fillRef idx="1">
+              <a:schemeClr val="accent1"/>
+            </a:fillRef>
+            <a:effectRef idx="0">
+              <a:schemeClr val="accent1"/>
+            </a:effectRef>
+            <a:fontRef idx="minor">
+              <a:schemeClr val="lt1"/>
+            </a:fontRef>
+          </p:style>
+          <p:txBody>
+            <a:bodyPr rtlCol="0" anchor="ctr"/>
+            <a:lstStyle/>
+            <a:p>
+              <a:pPr algn="ctr"/>
+              <a:endParaRPr lang="en-SG"/>
+            </a:p>
+          </p:txBody>
+        </p:sp>
+      </p:grpSp>
+      <p:grpSp>
+        <p:nvGrpSpPr>
+          <p:cNvPr id="209" name="Group 208"/>
+          <p:cNvGrpSpPr/>
+          <p:nvPr/>
+        </p:nvGrpSpPr>
+        <p:grpSpPr>
+          <a:xfrm rot="5400000">
+            <a:off x="6143933" y="2466802"/>
+            <a:ext cx="254462" cy="555486"/>
+            <a:chOff x="3697682" y="672883"/>
+            <a:chExt cx="254462" cy="503902"/>
+          </a:xfrm>
+        </p:grpSpPr>
+        <p:sp>
+          <p:nvSpPr>
+            <p:cNvPr id="210" name="TextBox 209"/>
+            <p:cNvSpPr txBox="1"/>
+            <p:nvPr/>
+          </p:nvSpPr>
+          <p:spPr>
+            <a:xfrm rot="16200000">
+              <a:off x="3572962" y="797603"/>
+              <a:ext cx="503902" cy="254462"/>
+            </a:xfrm>
+            <a:prstGeom prst="rect">
+              <a:avLst/>
+            </a:prstGeom>
+            <a:noFill/>
+          </p:spPr>
+          <p:txBody>
+            <a:bodyPr wrap="square" lIns="0" tIns="0" rIns="0" bIns="0" rtlCol="0">
+              <a:noAutofit/>
+            </a:bodyPr>
+            <a:lstStyle/>
+            <a:p>
+              <a:r>
+                <a:rPr lang="en-US" sz="1100" dirty="0">
+                  <a:solidFill>
+                    <a:schemeClr val="accent5">
+                      <a:lumMod val="75000"/>
+                    </a:schemeClr>
+                  </a:solidFill>
+                </a:rPr>
+                <a:t>creates</a:t>
+              </a:r>
+              <a:endParaRPr lang="en-SG" sz="1100" dirty="0">
+                <a:solidFill>
+                  <a:schemeClr val="accent5">
+                    <a:lumMod val="75000"/>
+                  </a:schemeClr>
+                </a:solidFill>
+              </a:endParaRPr>
+            </a:p>
+          </p:txBody>
+        </p:sp>
+        <p:sp>
+          <p:nvSpPr>
+            <p:cNvPr id="211" name="Isosceles Triangle 210"/>
+            <p:cNvSpPr/>
+            <p:nvPr/>
+          </p:nvSpPr>
+          <p:spPr>
+            <a:xfrm rot="10800000" flipV="1">
+              <a:off x="3719927" y="698512"/>
+              <a:ext cx="132157" cy="79956"/>
+            </a:xfrm>
+            <a:prstGeom prst="triangle">
+              <a:avLst/>
+            </a:prstGeom>
+            <a:solidFill>
+              <a:schemeClr val="accent5">
+                <a:lumMod val="75000"/>
+              </a:schemeClr>
+            </a:solidFill>
+            <a:ln>
+              <a:noFill/>
+            </a:ln>
+          </p:spPr>
+          <p:style>
+            <a:lnRef idx="2">
+              <a:schemeClr val="accent1">
+                <a:shade val="50000"/>
+              </a:schemeClr>
+            </a:lnRef>
+            <a:fillRef idx="1">
+              <a:schemeClr val="accent1"/>
+            </a:fillRef>
+            <a:effectRef idx="0">
+              <a:schemeClr val="accent1"/>
+            </a:effectRef>
+            <a:fontRef idx="minor">
+              <a:schemeClr val="lt1"/>
+            </a:fontRef>
+          </p:style>
+          <p:txBody>
+            <a:bodyPr rtlCol="0" anchor="ctr"/>
+            <a:lstStyle/>
+            <a:p>
+              <a:pPr algn="ctr"/>
+              <a:endParaRPr lang="en-SG"/>
+            </a:p>
+          </p:txBody>
+        </p:sp>
+      </p:grpSp>
+      <p:cxnSp>
+        <p:nvCxnSpPr>
+          <p:cNvPr id="212" name="Straight Connector 211"/>
+          <p:cNvCxnSpPr>
+            <a:cxnSpLocks/>
+          </p:cNvCxnSpPr>
+          <p:nvPr/>
+        </p:nvCxnSpPr>
+        <p:spPr>
+          <a:xfrm flipV="1">
+            <a:off x="6355296" y="3288623"/>
+            <a:ext cx="182880" cy="0"/>
+          </a:xfrm>
+          <a:prstGeom prst="line">
+            <a:avLst/>
+          </a:prstGeom>
+          <a:ln w="19050">
+            <a:solidFill>
+              <a:schemeClr val="accent5">
+                <a:lumMod val="50000"/>
+              </a:schemeClr>
+            </a:solidFill>
+            <a:prstDash val="sysDot"/>
+            <a:headEnd type="none" w="med" len="med"/>
+            <a:tailEnd type="none" w="med" len="med"/>
+          </a:ln>
+          <a:effectLst/>
+        </p:spPr>
+        <p:style>
+          <a:lnRef idx="1">
+            <a:schemeClr val="accent2"/>
+          </a:lnRef>
+          <a:fillRef idx="2">
+            <a:schemeClr val="accent2"/>
+          </a:fillRef>
+          <a:effectRef idx="1">
+            <a:schemeClr val="accent2"/>
+          </a:effectRef>
+          <a:fontRef idx="minor">
+            <a:schemeClr val="dk1"/>
           </a:fontRef>
         </p:style>
       </p:cxnSp>
